--- a/build-an-alexa-skill-for.pptx
+++ b/build-an-alexa-skill-for.pptx
@@ -5,7 +5,7 @@
     <p:sldMasterId id="2147483648" r:id="rId1"/>
   </p:sldMasterIdLst>
   <p:notesMasterIdLst>
-    <p:notesMasterId r:id="rId22"/>
+    <p:notesMasterId r:id="rId30"/>
   </p:notesMasterIdLst>
   <p:sldIdLst>
     <p:sldId id="256" r:id="rId2"/>
@@ -27,7 +27,15 @@
     <p:sldId id="277" r:id="rId18"/>
     <p:sldId id="274" r:id="rId19"/>
     <p:sldId id="275" r:id="rId20"/>
-    <p:sldId id="268" r:id="rId21"/>
+    <p:sldId id="281" r:id="rId21"/>
+    <p:sldId id="278" r:id="rId22"/>
+    <p:sldId id="279" r:id="rId23"/>
+    <p:sldId id="280" r:id="rId24"/>
+    <p:sldId id="268" r:id="rId25"/>
+    <p:sldId id="283" r:id="rId26"/>
+    <p:sldId id="284" r:id="rId27"/>
+    <p:sldId id="282" r:id="rId28"/>
+    <p:sldId id="285" r:id="rId29"/>
   </p:sldIdLst>
   <p:sldSz cx="9144000" cy="6858000" type="screen4x3"/>
   <p:notesSz cx="6858000" cy="9144000"/>
@@ -6231,19 +6239,935 @@
         </p:nvSpPr>
         <p:spPr>
           <a:xfrm>
+            <a:off x="435897" y="1551398"/>
+            <a:ext cx="8272208" cy="4309654"/>
+          </a:xfrm>
+        </p:spPr>
+        <p:txBody>
+          <a:bodyPr>
+            <a:normAutofit/>
+          </a:bodyPr>
+          <a:lstStyle/>
+          <a:p>
+            <a:pPr lvl="1"/>
+            <a:r>
+              <a:rPr lang="en-US" sz="3050" dirty="0" smtClean="0"/>
+              <a:t>Copy the Lambda function ARN to your skill in the developer portal</a:t>
+            </a:r>
+          </a:p>
+          <a:p>
+            <a:pPr lvl="1"/>
+            <a:r>
+              <a:rPr lang="en-US" sz="3050" dirty="0" smtClean="0"/>
+              <a:t>On the left, select </a:t>
+            </a:r>
+            <a:r>
+              <a:rPr lang="en-US" sz="3050" dirty="0" err="1" smtClean="0"/>
+              <a:t>Endpoiunt</a:t>
+            </a:r>
+            <a:endParaRPr lang="en-US" sz="3050" dirty="0" smtClean="0"/>
+          </a:p>
+          <a:p>
+            <a:pPr lvl="1"/>
+            <a:r>
+              <a:rPr lang="en-US" sz="3050" dirty="0" smtClean="0"/>
+              <a:t>Service Endpoint Type </a:t>
+            </a:r>
+          </a:p>
+          <a:p>
+            <a:pPr lvl="2"/>
+            <a:r>
+              <a:rPr lang="en-US" sz="2900" dirty="0" smtClean="0"/>
+              <a:t>AWS Lambda ARN</a:t>
+            </a:r>
+          </a:p>
+          <a:p>
+            <a:pPr lvl="2"/>
+            <a:r>
+              <a:rPr lang="en-US" sz="2900" dirty="0" smtClean="0"/>
+              <a:t>Paste ARN into the Default Region field</a:t>
+            </a:r>
+          </a:p>
+          <a:p>
+            <a:pPr lvl="1"/>
+            <a:r>
+              <a:rPr lang="en-US" sz="3050" dirty="0" smtClean="0"/>
+              <a:t>Save Endpoints</a:t>
+            </a:r>
+          </a:p>
+          <a:p>
+            <a:pPr lvl="1"/>
+            <a:endParaRPr lang="en-US" sz="3050" dirty="0"/>
+          </a:p>
+        </p:txBody>
+      </p:sp>
+      <p:sp>
+        <p:nvSpPr>
+          <p:cNvPr id="4" name="Title 3"/>
+          <p:cNvSpPr>
+            <a:spLocks noGrp="1"/>
+          </p:cNvSpPr>
+          <p:nvPr>
+            <p:ph type="title"/>
+          </p:nvPr>
+        </p:nvSpPr>
+        <p:spPr/>
+        <p:txBody>
+          <a:bodyPr/>
+          <a:lstStyle/>
+          <a:p>
+            <a:pPr algn="ctr"/>
+            <a:r>
+              <a:rPr lang="en-US" dirty="0" smtClean="0"/>
+              <a:t>Lambda Function (3)</a:t>
+            </a:r>
+            <a:endParaRPr lang="en-US" dirty="0"/>
+          </a:p>
+        </p:txBody>
+      </p:sp>
+    </p:spTree>
+    <p:extLst>
+      <p:ext uri="{BB962C8B-B14F-4D97-AF65-F5344CB8AC3E}">
+        <p14:creationId xmlns:p14="http://schemas.microsoft.com/office/powerpoint/2010/main" val="1479791257"/>
+      </p:ext>
+    </p:extLst>
+  </p:cSld>
+  <p:clrMapOvr>
+    <a:masterClrMapping/>
+  </p:clrMapOvr>
+</p:sld>
+</file>
+
+<file path=ppt/slides/slide21.xml><?xml version="1.0" encoding="utf-8"?>
+<p:sld xmlns:a="http://schemas.openxmlformats.org/drawingml/2006/main" xmlns:r="http://schemas.openxmlformats.org/officeDocument/2006/relationships" xmlns:p="http://schemas.openxmlformats.org/presentationml/2006/main">
+  <p:cSld>
+    <p:spTree>
+      <p:nvGrpSpPr>
+        <p:cNvPr id="1" name=""/>
+        <p:cNvGrpSpPr/>
+        <p:nvPr/>
+      </p:nvGrpSpPr>
+      <p:grpSpPr>
+        <a:xfrm>
+          <a:off x="0" y="0"/>
+          <a:ext cx="0" cy="0"/>
+          <a:chOff x="0" y="0"/>
+          <a:chExt cx="0" cy="0"/>
+        </a:xfrm>
+      </p:grpSpPr>
+      <p:sp>
+        <p:nvSpPr>
+          <p:cNvPr id="2" name="Content Placeholder 1"/>
+          <p:cNvSpPr>
+            <a:spLocks noGrp="1"/>
+          </p:cNvSpPr>
+          <p:nvPr>
+            <p:ph sz="half" idx="1"/>
+          </p:nvPr>
+        </p:nvSpPr>
+        <p:spPr>
+          <a:xfrm>
+            <a:off x="435897" y="1551398"/>
+            <a:ext cx="8272208" cy="4309654"/>
+          </a:xfrm>
+        </p:spPr>
+        <p:txBody>
+          <a:bodyPr>
+            <a:normAutofit/>
+          </a:bodyPr>
+          <a:lstStyle/>
+          <a:p>
+            <a:r>
+              <a:rPr lang="en-US" sz="3200" dirty="0" smtClean="0"/>
+              <a:t>From your terminal window, navigate to the </a:t>
+            </a:r>
+            <a:r>
+              <a:rPr lang="en-US" sz="3200" dirty="0" err="1" smtClean="0"/>
+              <a:t>lamba</a:t>
+            </a:r>
+            <a:r>
+              <a:rPr lang="en-US" sz="3200" dirty="0" smtClean="0"/>
+              <a:t> directory under “00-hello-basic-skill”</a:t>
+            </a:r>
+          </a:p>
+          <a:p>
+            <a:r>
+              <a:rPr lang="en-US" sz="3200" dirty="0" smtClean="0"/>
+              <a:t>Run “</a:t>
+            </a:r>
+            <a:r>
+              <a:rPr lang="en-US" sz="3200" dirty="0" err="1" smtClean="0"/>
+              <a:t>npm</a:t>
+            </a:r>
+            <a:r>
+              <a:rPr lang="en-US" sz="3200" dirty="0" smtClean="0"/>
+              <a:t> install --save </a:t>
+            </a:r>
+            <a:r>
+              <a:rPr lang="en-US" sz="3200" dirty="0" err="1" smtClean="0"/>
+              <a:t>alexa-sdk</a:t>
+            </a:r>
+            <a:r>
+              <a:rPr lang="en-US" sz="3200" dirty="0" smtClean="0"/>
+              <a:t>”</a:t>
+            </a:r>
+          </a:p>
+          <a:p>
+            <a:pPr lvl="1"/>
+            <a:r>
+              <a:rPr lang="en-US" sz="3050" dirty="0" smtClean="0"/>
+              <a:t>Installs the Alexa SDK (</a:t>
+            </a:r>
+            <a:r>
+              <a:rPr lang="en-US" sz="3050" dirty="0" err="1" smtClean="0"/>
+              <a:t>node_modules</a:t>
+            </a:r>
+            <a:r>
+              <a:rPr lang="en-US" sz="3050" dirty="0" smtClean="0"/>
+              <a:t>)</a:t>
+            </a:r>
+          </a:p>
+          <a:p>
+            <a:pPr marL="0" indent="0">
+              <a:buNone/>
+            </a:pPr>
+            <a:endParaRPr lang="en-US" sz="3050" dirty="0" smtClean="0"/>
+          </a:p>
+          <a:p>
+            <a:pPr lvl="1"/>
+            <a:endParaRPr lang="en-US" sz="3050" dirty="0"/>
+          </a:p>
+        </p:txBody>
+      </p:sp>
+      <p:sp>
+        <p:nvSpPr>
+          <p:cNvPr id="4" name="Title 3"/>
+          <p:cNvSpPr>
+            <a:spLocks noGrp="1"/>
+          </p:cNvSpPr>
+          <p:nvPr>
+            <p:ph type="title"/>
+          </p:nvPr>
+        </p:nvSpPr>
+        <p:spPr/>
+        <p:txBody>
+          <a:bodyPr/>
+          <a:lstStyle/>
+          <a:p>
+            <a:pPr algn="ctr"/>
+            <a:r>
+              <a:rPr lang="en-US" dirty="0" smtClean="0"/>
+              <a:t>Deploy Lambda Code (1)</a:t>
+            </a:r>
+            <a:endParaRPr lang="en-US" dirty="0"/>
+          </a:p>
+        </p:txBody>
+      </p:sp>
+    </p:spTree>
+    <p:extLst>
+      <p:ext uri="{BB962C8B-B14F-4D97-AF65-F5344CB8AC3E}">
+        <p14:creationId xmlns:p14="http://schemas.microsoft.com/office/powerpoint/2010/main" val="2021206702"/>
+      </p:ext>
+    </p:extLst>
+  </p:cSld>
+  <p:clrMapOvr>
+    <a:masterClrMapping/>
+  </p:clrMapOvr>
+</p:sld>
+</file>
+
+<file path=ppt/slides/slide22.xml><?xml version="1.0" encoding="utf-8"?>
+<p:sld xmlns:a="http://schemas.openxmlformats.org/drawingml/2006/main" xmlns:r="http://schemas.openxmlformats.org/officeDocument/2006/relationships" xmlns:p="http://schemas.openxmlformats.org/presentationml/2006/main">
+  <p:cSld>
+    <p:spTree>
+      <p:nvGrpSpPr>
+        <p:cNvPr id="1" name=""/>
+        <p:cNvGrpSpPr/>
+        <p:nvPr/>
+      </p:nvGrpSpPr>
+      <p:grpSpPr>
+        <a:xfrm>
+          <a:off x="0" y="0"/>
+          <a:ext cx="0" cy="0"/>
+          <a:chOff x="0" y="0"/>
+          <a:chExt cx="0" cy="0"/>
+        </a:xfrm>
+      </p:grpSpPr>
+      <p:sp>
+        <p:nvSpPr>
+          <p:cNvPr id="2" name="Content Placeholder 1"/>
+          <p:cNvSpPr>
+            <a:spLocks noGrp="1"/>
+          </p:cNvSpPr>
+          <p:nvPr>
+            <p:ph sz="half" idx="1"/>
+          </p:nvPr>
+        </p:nvSpPr>
+        <p:spPr>
+          <a:xfrm>
+            <a:off x="435897" y="1551398"/>
+            <a:ext cx="8272208" cy="4309654"/>
+          </a:xfrm>
+        </p:spPr>
+        <p:txBody>
+          <a:bodyPr>
+            <a:normAutofit lnSpcReduction="10000"/>
+          </a:bodyPr>
+          <a:lstStyle/>
+          <a:p>
+            <a:r>
+              <a:rPr lang="en-US" sz="3050" dirty="0" smtClean="0"/>
+              <a:t>Mac or Linux – execute the publish_lambda.sh</a:t>
+            </a:r>
+          </a:p>
+          <a:p>
+            <a:r>
+              <a:rPr lang="en-US" sz="3050" dirty="0" smtClean="0"/>
+              <a:t>Windows</a:t>
+            </a:r>
+          </a:p>
+          <a:p>
+            <a:pPr lvl="1"/>
+            <a:r>
+              <a:rPr lang="en-US" sz="2900" dirty="0" smtClean="0"/>
+              <a:t>PowerShell “compress-archive” won’t work</a:t>
+            </a:r>
+          </a:p>
+          <a:p>
+            <a:pPr lvl="1"/>
+            <a:r>
+              <a:rPr lang="en-US" sz="2900" dirty="0" smtClean="0"/>
+              <a:t>From File Explorer, select the files in the  </a:t>
+            </a:r>
+            <a:r>
+              <a:rPr lang="en-US" sz="2900" dirty="0" err="1" smtClean="0"/>
+              <a:t>lamba</a:t>
+            </a:r>
+            <a:r>
+              <a:rPr lang="en-US" sz="2900" dirty="0" smtClean="0"/>
+              <a:t> directory (not the </a:t>
+            </a:r>
+            <a:r>
+              <a:rPr lang="en-US" sz="2900" dirty="0" err="1" smtClean="0"/>
+              <a:t>lamba</a:t>
+            </a:r>
+            <a:r>
+              <a:rPr lang="en-US" sz="2900" dirty="0" smtClean="0"/>
+              <a:t> dir. itself)</a:t>
+            </a:r>
+          </a:p>
+          <a:p>
+            <a:pPr lvl="1"/>
+            <a:r>
+              <a:rPr lang="en-US" sz="2900" dirty="0" smtClean="0"/>
+              <a:t>Send to -&gt; Compressed (zipped) folder</a:t>
+            </a:r>
+          </a:p>
+          <a:p>
+            <a:pPr lvl="2"/>
+            <a:r>
+              <a:rPr lang="en-US" sz="2750" dirty="0" smtClean="0"/>
+              <a:t>Save as lambda.zip</a:t>
+            </a:r>
+          </a:p>
+          <a:p>
+            <a:pPr marL="0" indent="0">
+              <a:buNone/>
+            </a:pPr>
+            <a:endParaRPr lang="en-US" sz="3050" dirty="0" smtClean="0"/>
+          </a:p>
+          <a:p>
+            <a:pPr lvl="1"/>
+            <a:endParaRPr lang="en-US" sz="3050" dirty="0"/>
+          </a:p>
+        </p:txBody>
+      </p:sp>
+      <p:sp>
+        <p:nvSpPr>
+          <p:cNvPr id="4" name="Title 3"/>
+          <p:cNvSpPr>
+            <a:spLocks noGrp="1"/>
+          </p:cNvSpPr>
+          <p:nvPr>
+            <p:ph type="title"/>
+          </p:nvPr>
+        </p:nvSpPr>
+        <p:spPr/>
+        <p:txBody>
+          <a:bodyPr/>
+          <a:lstStyle/>
+          <a:p>
+            <a:pPr algn="ctr"/>
+            <a:r>
+              <a:rPr lang="en-US" dirty="0" smtClean="0"/>
+              <a:t>Deploy Lambda Code (2)</a:t>
+            </a:r>
+            <a:endParaRPr lang="en-US" dirty="0"/>
+          </a:p>
+        </p:txBody>
+      </p:sp>
+    </p:spTree>
+    <p:extLst>
+      <p:ext uri="{BB962C8B-B14F-4D97-AF65-F5344CB8AC3E}">
+        <p14:creationId xmlns:p14="http://schemas.microsoft.com/office/powerpoint/2010/main" val="3212039596"/>
+      </p:ext>
+    </p:extLst>
+  </p:cSld>
+  <p:clrMapOvr>
+    <a:masterClrMapping/>
+  </p:clrMapOvr>
+</p:sld>
+</file>
+
+<file path=ppt/slides/slide23.xml><?xml version="1.0" encoding="utf-8"?>
+<p:sld xmlns:a="http://schemas.openxmlformats.org/drawingml/2006/main" xmlns:r="http://schemas.openxmlformats.org/officeDocument/2006/relationships" xmlns:p="http://schemas.openxmlformats.org/presentationml/2006/main">
+  <p:cSld>
+    <p:spTree>
+      <p:nvGrpSpPr>
+        <p:cNvPr id="1" name=""/>
+        <p:cNvGrpSpPr/>
+        <p:nvPr/>
+      </p:nvGrpSpPr>
+      <p:grpSpPr>
+        <a:xfrm>
+          <a:off x="0" y="0"/>
+          <a:ext cx="0" cy="0"/>
+          <a:chOff x="0" y="0"/>
+          <a:chExt cx="0" cy="0"/>
+        </a:xfrm>
+      </p:grpSpPr>
+      <p:sp>
+        <p:nvSpPr>
+          <p:cNvPr id="2" name="Content Placeholder 1"/>
+          <p:cNvSpPr>
+            <a:spLocks noGrp="1"/>
+          </p:cNvSpPr>
+          <p:nvPr>
+            <p:ph sz="half" idx="1"/>
+          </p:nvPr>
+        </p:nvSpPr>
+        <p:spPr>
+          <a:xfrm>
+            <a:off x="435897" y="1551398"/>
+            <a:ext cx="8272208" cy="4309654"/>
+          </a:xfrm>
+        </p:spPr>
+        <p:txBody>
+          <a:bodyPr>
+            <a:normAutofit/>
+          </a:bodyPr>
+          <a:lstStyle/>
+          <a:p>
+            <a:r>
+              <a:rPr lang="en-US" sz="3200" dirty="0" smtClean="0"/>
+              <a:t>From your terminal window, navigate to the directory containing the lambda.zip file</a:t>
+            </a:r>
+          </a:p>
+          <a:p>
+            <a:r>
+              <a:rPr lang="en-US" sz="3200" dirty="0" smtClean="0"/>
+              <a:t>Copy and paste the last line in the publish_lambda.sh file</a:t>
+            </a:r>
+          </a:p>
+          <a:p>
+            <a:r>
+              <a:rPr lang="en-US" sz="3200" dirty="0" smtClean="0"/>
+              <a:t>Make sure the --function-name makes the lambda function in the AWS console</a:t>
+            </a:r>
+            <a:endParaRPr lang="en-US" sz="3050" dirty="0" smtClean="0"/>
+          </a:p>
+          <a:p>
+            <a:pPr lvl="1"/>
+            <a:endParaRPr lang="en-US" sz="3050" dirty="0"/>
+          </a:p>
+        </p:txBody>
+      </p:sp>
+      <p:sp>
+        <p:nvSpPr>
+          <p:cNvPr id="4" name="Title 3"/>
+          <p:cNvSpPr>
+            <a:spLocks noGrp="1"/>
+          </p:cNvSpPr>
+          <p:nvPr>
+            <p:ph type="title"/>
+          </p:nvPr>
+        </p:nvSpPr>
+        <p:spPr/>
+        <p:txBody>
+          <a:bodyPr/>
+          <a:lstStyle/>
+          <a:p>
+            <a:pPr algn="ctr"/>
+            <a:r>
+              <a:rPr lang="en-US" dirty="0" smtClean="0"/>
+              <a:t>Deploy Lambda Code (3)</a:t>
+            </a:r>
+            <a:endParaRPr lang="en-US" dirty="0"/>
+          </a:p>
+        </p:txBody>
+      </p:sp>
+    </p:spTree>
+    <p:extLst>
+      <p:ext uri="{BB962C8B-B14F-4D97-AF65-F5344CB8AC3E}">
+        <p14:creationId xmlns:p14="http://schemas.microsoft.com/office/powerpoint/2010/main" val="4230005502"/>
+      </p:ext>
+    </p:extLst>
+  </p:cSld>
+  <p:clrMapOvr>
+    <a:masterClrMapping/>
+  </p:clrMapOvr>
+</p:sld>
+</file>
+
+<file path=ppt/slides/slide24.xml><?xml version="1.0" encoding="utf-8"?>
+<p:sld xmlns:a="http://schemas.openxmlformats.org/drawingml/2006/main" xmlns:r="http://schemas.openxmlformats.org/officeDocument/2006/relationships" xmlns:p="http://schemas.openxmlformats.org/presentationml/2006/main">
+  <p:cSld>
+    <p:spTree>
+      <p:nvGrpSpPr>
+        <p:cNvPr id="1" name=""/>
+        <p:cNvGrpSpPr/>
+        <p:nvPr/>
+      </p:nvGrpSpPr>
+      <p:grpSpPr>
+        <a:xfrm>
+          <a:off x="0" y="0"/>
+          <a:ext cx="0" cy="0"/>
+          <a:chOff x="0" y="0"/>
+          <a:chExt cx="0" cy="0"/>
+        </a:xfrm>
+      </p:grpSpPr>
+      <p:sp>
+        <p:nvSpPr>
+          <p:cNvPr id="2" name="Content Placeholder 1"/>
+          <p:cNvSpPr>
+            <a:spLocks noGrp="1"/>
+          </p:cNvSpPr>
+          <p:nvPr>
+            <p:ph sz="half" idx="1"/>
+          </p:nvPr>
+        </p:nvSpPr>
+        <p:spPr>
+          <a:xfrm>
             <a:off x="435897" y="1561672"/>
             <a:ext cx="8272208" cy="4299379"/>
           </a:xfrm>
         </p:spPr>
         <p:txBody>
+          <a:bodyPr>
+            <a:normAutofit/>
+          </a:bodyPr>
+          <a:lstStyle/>
+          <a:p>
+            <a:r>
+              <a:rPr lang="en-US" sz="3200" dirty="0" smtClean="0"/>
+              <a:t>In the Alexa console, select Build.</a:t>
+            </a:r>
+          </a:p>
+          <a:p>
+            <a:pPr lvl="1"/>
+            <a:r>
+              <a:rPr lang="en-US" sz="3050" dirty="0" smtClean="0"/>
+              <a:t>Verify the skill builder checklist is green</a:t>
+            </a:r>
+          </a:p>
+          <a:p>
+            <a:r>
+              <a:rPr lang="en-US" sz="3200" dirty="0" smtClean="0"/>
+              <a:t>Select Test</a:t>
+            </a:r>
+          </a:p>
+          <a:p>
+            <a:pPr lvl="1"/>
+            <a:r>
+              <a:rPr lang="en-US" sz="3050" dirty="0" smtClean="0"/>
+              <a:t>Enable test for this skill</a:t>
+            </a:r>
+          </a:p>
+          <a:p>
+            <a:endParaRPr lang="en-US" sz="3200" dirty="0" smtClean="0"/>
+          </a:p>
+          <a:p>
+            <a:endParaRPr lang="en-US" sz="3200" dirty="0"/>
+          </a:p>
+        </p:txBody>
+      </p:sp>
+      <p:sp>
+        <p:nvSpPr>
+          <p:cNvPr id="4" name="Title 3"/>
+          <p:cNvSpPr>
+            <a:spLocks noGrp="1"/>
+          </p:cNvSpPr>
+          <p:nvPr>
+            <p:ph type="title"/>
+          </p:nvPr>
+        </p:nvSpPr>
+        <p:spPr/>
+        <p:txBody>
           <a:bodyPr/>
           <a:lstStyle/>
           <a:p>
+            <a:pPr algn="ctr"/>
+            <a:r>
+              <a:rPr lang="en-US" dirty="0" smtClean="0"/>
+              <a:t>Test Your Skill (1)</a:t>
+            </a:r>
+            <a:endParaRPr lang="en-US" dirty="0"/>
+          </a:p>
+        </p:txBody>
+      </p:sp>
+    </p:spTree>
+    <p:extLst>
+      <p:ext uri="{BB962C8B-B14F-4D97-AF65-F5344CB8AC3E}">
+        <p14:creationId xmlns:p14="http://schemas.microsoft.com/office/powerpoint/2010/main" val="2112466628"/>
+      </p:ext>
+    </p:extLst>
+  </p:cSld>
+  <p:clrMapOvr>
+    <a:masterClrMapping/>
+  </p:clrMapOvr>
+</p:sld>
+</file>
+
+<file path=ppt/slides/slide25.xml><?xml version="1.0" encoding="utf-8"?>
+<p:sld xmlns:a="http://schemas.openxmlformats.org/drawingml/2006/main" xmlns:r="http://schemas.openxmlformats.org/officeDocument/2006/relationships" xmlns:p="http://schemas.openxmlformats.org/presentationml/2006/main">
+  <p:cSld>
+    <p:spTree>
+      <p:nvGrpSpPr>
+        <p:cNvPr id="1" name=""/>
+        <p:cNvGrpSpPr/>
+        <p:nvPr/>
+      </p:nvGrpSpPr>
+      <p:grpSpPr>
+        <a:xfrm>
+          <a:off x="0" y="0"/>
+          <a:ext cx="0" cy="0"/>
+          <a:chOff x="0" y="0"/>
+          <a:chExt cx="0" cy="0"/>
+        </a:xfrm>
+      </p:grpSpPr>
+      <p:sp>
+        <p:nvSpPr>
+          <p:cNvPr id="2" name="Content Placeholder 1"/>
+          <p:cNvSpPr>
+            <a:spLocks noGrp="1"/>
+          </p:cNvSpPr>
+          <p:nvPr>
+            <p:ph sz="half" idx="1"/>
+          </p:nvPr>
+        </p:nvSpPr>
+        <p:spPr>
+          <a:xfrm>
+            <a:off x="435897" y="1561672"/>
+            <a:ext cx="8272208" cy="4299379"/>
+          </a:xfrm>
+        </p:spPr>
+        <p:txBody>
+          <a:bodyPr>
+            <a:normAutofit lnSpcReduction="10000"/>
+          </a:bodyPr>
+          <a:lstStyle/>
+          <a:p>
+            <a:r>
+              <a:rPr lang="en-US" sz="3200" dirty="0" smtClean="0"/>
+              <a:t>Alexa Simulator</a:t>
+            </a:r>
+          </a:p>
+          <a:p>
+            <a:pPr lvl="1"/>
+            <a:r>
+              <a:rPr lang="en-US" sz="3050" dirty="0" smtClean="0"/>
+              <a:t>Type “open b c net” or</a:t>
+            </a:r>
+          </a:p>
+          <a:p>
+            <a:pPr lvl="1"/>
+            <a:r>
+              <a:rPr lang="en-US" sz="3050" dirty="0" smtClean="0"/>
+              <a:t>Click and hold the microphone and speak </a:t>
+            </a:r>
+          </a:p>
+          <a:p>
+            <a:pPr marL="242988" lvl="1" indent="0">
+              <a:buNone/>
+            </a:pPr>
+            <a:r>
+              <a:rPr lang="en-US" sz="3050" dirty="0"/>
+              <a:t>	</a:t>
+            </a:r>
+            <a:r>
+              <a:rPr lang="en-US" sz="3050" dirty="0" smtClean="0"/>
+              <a:t>	“ Alexa, open b c net”  </a:t>
+            </a:r>
+          </a:p>
+          <a:p>
+            <a:r>
+              <a:rPr lang="en-US" sz="3200" dirty="0" smtClean="0"/>
+              <a:t>Then, type or speak an utterance</a:t>
+            </a:r>
+          </a:p>
+          <a:p>
+            <a:pPr lvl="1"/>
+            <a:r>
+              <a:rPr lang="en-US" sz="3050" dirty="0" smtClean="0"/>
+              <a:t>“Hello”</a:t>
+            </a:r>
+          </a:p>
+          <a:p>
+            <a:pPr lvl="1"/>
+            <a:r>
+              <a:rPr lang="en-US" sz="3050" dirty="0" smtClean="0"/>
+              <a:t>“Hi”</a:t>
+            </a:r>
+          </a:p>
+          <a:p>
+            <a:pPr lvl="1"/>
+            <a:endParaRPr lang="en-US" sz="3050" dirty="0" smtClean="0"/>
+          </a:p>
+          <a:p>
+            <a:endParaRPr lang="en-US" sz="3200" dirty="0"/>
+          </a:p>
+        </p:txBody>
+      </p:sp>
+      <p:sp>
+        <p:nvSpPr>
+          <p:cNvPr id="4" name="Title 3"/>
+          <p:cNvSpPr>
+            <a:spLocks noGrp="1"/>
+          </p:cNvSpPr>
+          <p:nvPr>
+            <p:ph type="title"/>
+          </p:nvPr>
+        </p:nvSpPr>
+        <p:spPr/>
+        <p:txBody>
+          <a:bodyPr/>
+          <a:lstStyle/>
+          <a:p>
+            <a:pPr algn="ctr"/>
+            <a:r>
+              <a:rPr lang="en-US" dirty="0" smtClean="0"/>
+              <a:t>Test Your Skill (2)</a:t>
+            </a:r>
+            <a:endParaRPr lang="en-US" dirty="0"/>
+          </a:p>
+        </p:txBody>
+      </p:sp>
+    </p:spTree>
+    <p:extLst>
+      <p:ext uri="{BB962C8B-B14F-4D97-AF65-F5344CB8AC3E}">
+        <p14:creationId xmlns:p14="http://schemas.microsoft.com/office/powerpoint/2010/main" val="2373200132"/>
+      </p:ext>
+    </p:extLst>
+  </p:cSld>
+  <p:clrMapOvr>
+    <a:masterClrMapping/>
+  </p:clrMapOvr>
+</p:sld>
+</file>
+
+<file path=ppt/slides/slide26.xml><?xml version="1.0" encoding="utf-8"?>
+<p:sld xmlns:a="http://schemas.openxmlformats.org/drawingml/2006/main" xmlns:r="http://schemas.openxmlformats.org/officeDocument/2006/relationships" xmlns:p="http://schemas.openxmlformats.org/presentationml/2006/main">
+  <p:cSld>
+    <p:spTree>
+      <p:nvGrpSpPr>
+        <p:cNvPr id="1" name=""/>
+        <p:cNvGrpSpPr/>
+        <p:nvPr/>
+      </p:nvGrpSpPr>
+      <p:grpSpPr>
+        <a:xfrm>
+          <a:off x="0" y="0"/>
+          <a:ext cx="0" cy="0"/>
+          <a:chOff x="0" y="0"/>
+          <a:chExt cx="0" cy="0"/>
+        </a:xfrm>
+      </p:grpSpPr>
+      <p:sp>
+        <p:nvSpPr>
+          <p:cNvPr id="2" name="Content Placeholder 1"/>
+          <p:cNvSpPr>
+            <a:spLocks noGrp="1"/>
+          </p:cNvSpPr>
+          <p:nvPr>
+            <p:ph sz="half" idx="1"/>
+          </p:nvPr>
+        </p:nvSpPr>
+        <p:spPr>
+          <a:xfrm>
+            <a:off x="435897" y="1561672"/>
+            <a:ext cx="8272208" cy="4299379"/>
+          </a:xfrm>
+        </p:spPr>
+        <p:txBody>
+          <a:bodyPr>
+            <a:normAutofit/>
+          </a:bodyPr>
+          <a:lstStyle/>
+          <a:p>
+            <a:r>
+              <a:rPr lang="en-US" sz="3200" dirty="0"/>
+              <a:t>Alexa </a:t>
+            </a:r>
+            <a:r>
+              <a:rPr lang="en-US" sz="3200" dirty="0" smtClean="0"/>
+              <a:t>Simulator - </a:t>
+            </a:r>
+            <a:r>
+              <a:rPr lang="en-US" sz="3050" dirty="0"/>
+              <a:t>t</a:t>
+            </a:r>
+            <a:r>
+              <a:rPr lang="en-US" sz="3050" dirty="0" smtClean="0"/>
+              <a:t>ype </a:t>
+            </a:r>
+            <a:r>
+              <a:rPr lang="en-US" sz="3050" dirty="0"/>
+              <a:t>“open b c net</a:t>
+            </a:r>
+            <a:r>
+              <a:rPr lang="en-US" sz="3050" dirty="0" smtClean="0"/>
+              <a:t>”</a:t>
+            </a:r>
+          </a:p>
+          <a:p>
+            <a:r>
+              <a:rPr lang="en-US" sz="3050" dirty="0" smtClean="0"/>
+              <a:t>Copy the JSON Input code</a:t>
+            </a:r>
+          </a:p>
+          <a:p>
+            <a:r>
+              <a:rPr lang="en-US" sz="3050" dirty="0" smtClean="0"/>
+              <a:t>Go to your Lambda function in the </a:t>
+            </a:r>
+            <a:r>
+              <a:rPr lang="en-US" sz="3050" dirty="0"/>
+              <a:t>A</a:t>
+            </a:r>
+            <a:r>
+              <a:rPr lang="en-US" sz="3050" dirty="0" smtClean="0"/>
+              <a:t>WS console</a:t>
+            </a:r>
+          </a:p>
+          <a:p>
+            <a:r>
+              <a:rPr lang="en-US" sz="3050" dirty="0" smtClean="0"/>
+              <a:t>Click the Test button and paste the code</a:t>
+            </a:r>
+          </a:p>
+          <a:p>
+            <a:r>
+              <a:rPr lang="en-US" sz="3050" dirty="0" smtClean="0"/>
+              <a:t>View the Execution results</a:t>
+            </a:r>
+          </a:p>
+          <a:p>
+            <a:r>
+              <a:rPr lang="en-US" sz="3050" dirty="0" smtClean="0"/>
+              <a:t>Should match JSON output in Alexa console</a:t>
+            </a:r>
+            <a:endParaRPr lang="en-US" sz="3050" dirty="0"/>
+          </a:p>
+          <a:p>
+            <a:endParaRPr lang="en-US" sz="3200" dirty="0"/>
+          </a:p>
+        </p:txBody>
+      </p:sp>
+      <p:sp>
+        <p:nvSpPr>
+          <p:cNvPr id="4" name="Title 3"/>
+          <p:cNvSpPr>
+            <a:spLocks noGrp="1"/>
+          </p:cNvSpPr>
+          <p:nvPr>
+            <p:ph type="title"/>
+          </p:nvPr>
+        </p:nvSpPr>
+        <p:spPr/>
+        <p:txBody>
+          <a:bodyPr>
+            <a:normAutofit/>
+          </a:bodyPr>
+          <a:lstStyle/>
+          <a:p>
+            <a:pPr algn="ctr"/>
+            <a:r>
+              <a:rPr lang="en-US" dirty="0" smtClean="0"/>
+              <a:t>JSON Request </a:t>
+            </a:r>
+            <a:r>
+              <a:rPr lang="en-US" dirty="0"/>
+              <a:t>and </a:t>
+            </a:r>
+            <a:r>
+              <a:rPr lang="en-US" dirty="0" smtClean="0"/>
+              <a:t>Response</a:t>
+            </a:r>
+            <a:endParaRPr lang="en-US" dirty="0"/>
+          </a:p>
+        </p:txBody>
+      </p:sp>
+    </p:spTree>
+    <p:extLst>
+      <p:ext uri="{BB962C8B-B14F-4D97-AF65-F5344CB8AC3E}">
+        <p14:creationId xmlns:p14="http://schemas.microsoft.com/office/powerpoint/2010/main" val="1011545853"/>
+      </p:ext>
+    </p:extLst>
+  </p:cSld>
+  <p:clrMapOvr>
+    <a:masterClrMapping/>
+  </p:clrMapOvr>
+</p:sld>
+</file>
+
+<file path=ppt/slides/slide27.xml><?xml version="1.0" encoding="utf-8"?>
+<p:sld xmlns:a="http://schemas.openxmlformats.org/drawingml/2006/main" xmlns:r="http://schemas.openxmlformats.org/officeDocument/2006/relationships" xmlns:p="http://schemas.openxmlformats.org/presentationml/2006/main">
+  <p:cSld>
+    <p:spTree>
+      <p:nvGrpSpPr>
+        <p:cNvPr id="1" name=""/>
+        <p:cNvGrpSpPr/>
+        <p:nvPr/>
+      </p:nvGrpSpPr>
+      <p:grpSpPr>
+        <a:xfrm>
+          <a:off x="0" y="0"/>
+          <a:ext cx="0" cy="0"/>
+          <a:chOff x="0" y="0"/>
+          <a:chExt cx="0" cy="0"/>
+        </a:xfrm>
+      </p:grpSpPr>
+      <p:sp>
+        <p:nvSpPr>
+          <p:cNvPr id="2" name="Content Placeholder 1"/>
+          <p:cNvSpPr>
+            <a:spLocks noGrp="1"/>
+          </p:cNvSpPr>
+          <p:nvPr>
+            <p:ph sz="half" idx="1"/>
+          </p:nvPr>
+        </p:nvSpPr>
+        <p:spPr>
+          <a:xfrm>
+            <a:off x="435897" y="1561672"/>
+            <a:ext cx="8272208" cy="4299379"/>
+          </a:xfrm>
+        </p:spPr>
+        <p:txBody>
+          <a:bodyPr/>
+          <a:lstStyle/>
+          <a:p>
+            <a:r>
+              <a:rPr lang="en-US" sz="3200" dirty="0" smtClean="0">
+                <a:hlinkClick r:id="rId2"/>
+              </a:rPr>
+              <a:t>https</a:t>
+            </a:r>
             <a:r>
               <a:rPr lang="en-US" sz="3200" dirty="0">
                 <a:hlinkClick r:id="rId2"/>
               </a:rPr>
-              <a:t>https://</a:t>
+              <a:t>://</a:t>
             </a:r>
             <a:r>
               <a:rPr lang="en-US" sz="3200" dirty="0" smtClean="0">
@@ -6276,7 +7200,11 @@
             <a:pPr algn="ctr"/>
             <a:r>
               <a:rPr lang="en-US" dirty="0"/>
-              <a:t>Request and Response JSON Reference </a:t>
+              <a:t>Request and </a:t>
+            </a:r>
+            <a:r>
+              <a:rPr lang="en-US" dirty="0" smtClean="0"/>
+              <a:t>Response JSON Reference</a:t>
             </a:r>
             <a:endParaRPr lang="en-US" dirty="0"/>
           </a:p>
@@ -6285,7 +7213,109 @@
     </p:spTree>
     <p:extLst>
       <p:ext uri="{BB962C8B-B14F-4D97-AF65-F5344CB8AC3E}">
-        <p14:creationId xmlns:p14="http://schemas.microsoft.com/office/powerpoint/2010/main" val="2112466628"/>
+        <p14:creationId xmlns:p14="http://schemas.microsoft.com/office/powerpoint/2010/main" val="2195850894"/>
+      </p:ext>
+    </p:extLst>
+  </p:cSld>
+  <p:clrMapOvr>
+    <a:masterClrMapping/>
+  </p:clrMapOvr>
+</p:sld>
+</file>
+
+<file path=ppt/slides/slide28.xml><?xml version="1.0" encoding="utf-8"?>
+<p:sld xmlns:a="http://schemas.openxmlformats.org/drawingml/2006/main" xmlns:r="http://schemas.openxmlformats.org/officeDocument/2006/relationships" xmlns:p="http://schemas.openxmlformats.org/presentationml/2006/main">
+  <p:cSld>
+    <p:spTree>
+      <p:nvGrpSpPr>
+        <p:cNvPr id="1" name=""/>
+        <p:cNvGrpSpPr/>
+        <p:nvPr/>
+      </p:nvGrpSpPr>
+      <p:grpSpPr>
+        <a:xfrm>
+          <a:off x="0" y="0"/>
+          <a:ext cx="0" cy="0"/>
+          <a:chOff x="0" y="0"/>
+          <a:chExt cx="0" cy="0"/>
+        </a:xfrm>
+      </p:grpSpPr>
+      <p:sp>
+        <p:nvSpPr>
+          <p:cNvPr id="2" name="Content Placeholder 1"/>
+          <p:cNvSpPr>
+            <a:spLocks noGrp="1"/>
+          </p:cNvSpPr>
+          <p:nvPr>
+            <p:ph sz="half" idx="1"/>
+          </p:nvPr>
+        </p:nvSpPr>
+        <p:spPr>
+          <a:xfrm>
+            <a:off x="435897" y="1561672"/>
+            <a:ext cx="8272208" cy="4299379"/>
+          </a:xfrm>
+        </p:spPr>
+        <p:txBody>
+          <a:bodyPr/>
+          <a:lstStyle/>
+          <a:p>
+            <a:r>
+              <a:rPr lang="en-US" sz="3200" dirty="0" smtClean="0"/>
+              <a:t>Log into </a:t>
+            </a:r>
+            <a:r>
+              <a:rPr lang="en-US" sz="3200" dirty="0" smtClean="0">
+                <a:hlinkClick r:id="rId2"/>
+              </a:rPr>
+              <a:t>https://alexa.amazon.com</a:t>
+            </a:r>
+            <a:endParaRPr lang="en-US" sz="3200" dirty="0" smtClean="0"/>
+          </a:p>
+          <a:p>
+            <a:r>
+              <a:rPr lang="en-US" sz="3200" dirty="0" smtClean="0"/>
+              <a:t>Notice the output from </a:t>
+            </a:r>
+            <a:r>
+              <a:rPr lang="en-US" sz="3200" smtClean="0"/>
+              <a:t>your skill</a:t>
+            </a:r>
+            <a:endParaRPr lang="en-US" sz="3200" dirty="0" smtClean="0"/>
+          </a:p>
+          <a:p>
+            <a:endParaRPr lang="en-US" dirty="0"/>
+          </a:p>
+        </p:txBody>
+      </p:sp>
+      <p:sp>
+        <p:nvSpPr>
+          <p:cNvPr id="4" name="Title 3"/>
+          <p:cNvSpPr>
+            <a:spLocks noGrp="1"/>
+          </p:cNvSpPr>
+          <p:nvPr>
+            <p:ph type="title"/>
+          </p:nvPr>
+        </p:nvSpPr>
+        <p:spPr/>
+        <p:txBody>
+          <a:bodyPr/>
+          <a:lstStyle/>
+          <a:p>
+            <a:pPr algn="ctr"/>
+            <a:r>
+              <a:rPr lang="en-US" dirty="0" smtClean="0"/>
+              <a:t>Your Alexa Account</a:t>
+            </a:r>
+            <a:endParaRPr lang="en-US" dirty="0"/>
+          </a:p>
+        </p:txBody>
+      </p:sp>
+    </p:spTree>
+    <p:extLst>
+      <p:ext uri="{BB962C8B-B14F-4D97-AF65-F5344CB8AC3E}">
+        <p14:creationId xmlns:p14="http://schemas.microsoft.com/office/powerpoint/2010/main" val="1445947235"/>
       </p:ext>
     </p:extLst>
   </p:cSld>

--- a/build-an-alexa-skill-for.pptx
+++ b/build-an-alexa-skill-for.pptx
@@ -5,7 +5,7 @@
     <p:sldMasterId id="2147483648" r:id="rId1"/>
   </p:sldMasterIdLst>
   <p:notesMasterIdLst>
-    <p:notesMasterId r:id="rId30"/>
+    <p:notesMasterId r:id="rId31"/>
   </p:notesMasterIdLst>
   <p:sldIdLst>
     <p:sldId id="256" r:id="rId2"/>
@@ -36,6 +36,7 @@
     <p:sldId id="284" r:id="rId27"/>
     <p:sldId id="282" r:id="rId28"/>
     <p:sldId id="285" r:id="rId29"/>
+    <p:sldId id="286" r:id="rId30"/>
   </p:sldIdLst>
   <p:sldSz cx="9144000" cy="6858000" type="screen4x3"/>
   <p:notesSz cx="6858000" cy="9144000"/>
@@ -7316,6 +7317,125 @@
     <p:extLst>
       <p:ext uri="{BB962C8B-B14F-4D97-AF65-F5344CB8AC3E}">
         <p14:creationId xmlns:p14="http://schemas.microsoft.com/office/powerpoint/2010/main" val="1445947235"/>
+      </p:ext>
+    </p:extLst>
+  </p:cSld>
+  <p:clrMapOvr>
+    <a:masterClrMapping/>
+  </p:clrMapOvr>
+</p:sld>
+</file>
+
+<file path=ppt/slides/slide29.xml><?xml version="1.0" encoding="utf-8"?>
+<p:sld xmlns:a="http://schemas.openxmlformats.org/drawingml/2006/main" xmlns:r="http://schemas.openxmlformats.org/officeDocument/2006/relationships" xmlns:p="http://schemas.openxmlformats.org/presentationml/2006/main">
+  <p:cSld>
+    <p:spTree>
+      <p:nvGrpSpPr>
+        <p:cNvPr id="1" name=""/>
+        <p:cNvGrpSpPr/>
+        <p:nvPr/>
+      </p:nvGrpSpPr>
+      <p:grpSpPr>
+        <a:xfrm>
+          <a:off x="0" y="0"/>
+          <a:ext cx="0" cy="0"/>
+          <a:chOff x="0" y="0"/>
+          <a:chExt cx="0" cy="0"/>
+        </a:xfrm>
+      </p:grpSpPr>
+      <p:sp>
+        <p:nvSpPr>
+          <p:cNvPr id="2" name="Content Placeholder 1"/>
+          <p:cNvSpPr>
+            <a:spLocks noGrp="1"/>
+          </p:cNvSpPr>
+          <p:nvPr>
+            <p:ph sz="half" idx="1"/>
+          </p:nvPr>
+        </p:nvSpPr>
+        <p:spPr>
+          <a:xfrm>
+            <a:off x="435897" y="1561672"/>
+            <a:ext cx="8272208" cy="4299379"/>
+          </a:xfrm>
+        </p:spPr>
+        <p:txBody>
+          <a:bodyPr/>
+          <a:lstStyle/>
+          <a:p>
+            <a:r>
+              <a:rPr lang="en-US" sz="3200" dirty="0" smtClean="0"/>
+              <a:t>Add Lambda code to handle the three, built-in intents</a:t>
+            </a:r>
+          </a:p>
+          <a:p>
+            <a:pPr lvl="1"/>
+            <a:r>
+              <a:rPr lang="en-US" sz="3050" dirty="0" err="1" smtClean="0"/>
+              <a:t>StopIntent</a:t>
+            </a:r>
+            <a:endParaRPr lang="en-US" sz="3050" dirty="0" smtClean="0"/>
+          </a:p>
+          <a:p>
+            <a:pPr lvl="1"/>
+            <a:r>
+              <a:rPr lang="en-US" sz="3050" dirty="0" err="1" smtClean="0"/>
+              <a:t>CancelIntent</a:t>
+            </a:r>
+            <a:endParaRPr lang="en-US" sz="3050" dirty="0" smtClean="0"/>
+          </a:p>
+          <a:p>
+            <a:pPr lvl="1"/>
+            <a:r>
+              <a:rPr lang="en-US" sz="3050" dirty="0" err="1" smtClean="0"/>
+              <a:t>HelpIntent</a:t>
+            </a:r>
+            <a:endParaRPr lang="en-US" sz="3050" dirty="0" smtClean="0"/>
+          </a:p>
+          <a:p>
+            <a:r>
+              <a:rPr lang="en-US" sz="3200" dirty="0" smtClean="0"/>
+              <a:t>Test each </a:t>
+            </a:r>
+            <a:r>
+              <a:rPr lang="en-US" sz="3200" smtClean="0"/>
+              <a:t>built-in intent</a:t>
+            </a:r>
+            <a:endParaRPr lang="en-US" sz="3200" dirty="0" smtClean="0"/>
+          </a:p>
+          <a:p>
+            <a:endParaRPr lang="en-US" dirty="0"/>
+          </a:p>
+        </p:txBody>
+      </p:sp>
+      <p:sp>
+        <p:nvSpPr>
+          <p:cNvPr id="4" name="Title 3"/>
+          <p:cNvSpPr>
+            <a:spLocks noGrp="1"/>
+          </p:cNvSpPr>
+          <p:nvPr>
+            <p:ph type="title"/>
+          </p:nvPr>
+        </p:nvSpPr>
+        <p:spPr/>
+        <p:txBody>
+          <a:bodyPr/>
+          <a:lstStyle/>
+          <a:p>
+            <a:pPr algn="ctr"/>
+            <a:r>
+              <a:rPr lang="en-US" dirty="0" smtClean="0"/>
+              <a:t>Finish This Skill</a:t>
+            </a:r>
+            <a:endParaRPr lang="en-US" dirty="0"/>
+          </a:p>
+        </p:txBody>
+      </p:sp>
+    </p:spTree>
+    <p:extLst>
+      <p:ext uri="{BB962C8B-B14F-4D97-AF65-F5344CB8AC3E}">
+        <p14:creationId xmlns:p14="http://schemas.microsoft.com/office/powerpoint/2010/main" val="2323560835"/>
       </p:ext>
     </p:extLst>
   </p:cSld>

--- a/build-an-alexa-skill-for.pptx
+++ b/build-an-alexa-skill-for.pptx
@@ -7276,13 +7276,30 @@
           <a:p>
             <a:r>
               <a:rPr lang="en-US" sz="3200" dirty="0" smtClean="0"/>
-              <a:t>Notice the output from </a:t>
-            </a:r>
-            <a:r>
-              <a:rPr lang="en-US" sz="3200" smtClean="0"/>
-              <a:t>your skill</a:t>
-            </a:r>
-            <a:endParaRPr lang="en-US" sz="3200" dirty="0" smtClean="0"/>
+              <a:t>Notice the output from your </a:t>
+            </a:r>
+            <a:r>
+              <a:rPr lang="en-US" sz="3200" dirty="0" smtClean="0"/>
+              <a:t>skill</a:t>
+            </a:r>
+          </a:p>
+          <a:p>
+            <a:r>
+              <a:rPr lang="en-US" sz="3200" dirty="0" smtClean="0"/>
+              <a:t>Do you have the Alexa app on your cell phone?</a:t>
+            </a:r>
+          </a:p>
+          <a:p>
+            <a:pPr lvl="1"/>
+            <a:r>
+              <a:rPr lang="en-US" sz="3050" dirty="0" smtClean="0"/>
+              <a:t>Output from your skill will appear </a:t>
+            </a:r>
+            <a:r>
+              <a:rPr lang="en-US" sz="3050" dirty="0" err="1" smtClean="0"/>
+              <a:t>there,too</a:t>
+            </a:r>
+            <a:endParaRPr lang="en-US" sz="3050" dirty="0" smtClean="0"/>
           </a:p>
           <a:p>
             <a:endParaRPr lang="en-US" dirty="0"/>

--- a/build-an-alexa-skill-for.pptx
+++ b/build-an-alexa-skill-for.pptx
@@ -5,7 +5,7 @@
     <p:sldMasterId id="2147483648" r:id="rId1"/>
   </p:sldMasterIdLst>
   <p:notesMasterIdLst>
-    <p:notesMasterId r:id="rId31"/>
+    <p:notesMasterId r:id="rId34"/>
   </p:notesMasterIdLst>
   <p:sldIdLst>
     <p:sldId id="256" r:id="rId2"/>
@@ -37,6 +37,9 @@
     <p:sldId id="282" r:id="rId28"/>
     <p:sldId id="285" r:id="rId29"/>
     <p:sldId id="286" r:id="rId30"/>
+    <p:sldId id="287" r:id="rId31"/>
+    <p:sldId id="288" r:id="rId32"/>
+    <p:sldId id="289" r:id="rId33"/>
   </p:sldIdLst>
   <p:sldSz cx="9144000" cy="6858000" type="screen4x3"/>
   <p:notesSz cx="6858000" cy="9144000"/>
@@ -236,7 +239,7 @@
           <a:p>
             <a:fld id="{C9D2DF25-9467-8F4F-9C7F-2B1EF5ECD2C4}" type="datetimeFigureOut">
               <a:rPr lang="en-US" smtClean="0"/>
-              <a:t>3/31/2018</a:t>
+              <a:t>4/1/2018</a:t>
             </a:fld>
             <a:endParaRPr lang="en-US"/>
           </a:p>
@@ -7276,11 +7279,7 @@
           <a:p>
             <a:r>
               <a:rPr lang="en-US" sz="3200" dirty="0" smtClean="0"/>
-              <a:t>Notice the output from your </a:t>
-            </a:r>
-            <a:r>
-              <a:rPr lang="en-US" sz="3200" dirty="0" smtClean="0"/>
-              <a:t>skill</a:t>
+              <a:t>Notice the output from your skill</a:t>
             </a:r>
           </a:p>
           <a:p>
@@ -7382,7 +7381,15 @@
           <a:p>
             <a:r>
               <a:rPr lang="en-US" sz="3200" dirty="0" smtClean="0"/>
-              <a:t>Add Lambda code to handle the three, built-in intents</a:t>
+              <a:t>Add Lambda code to handle </a:t>
+            </a:r>
+            <a:r>
+              <a:rPr lang="en-US" sz="3200" dirty="0" smtClean="0"/>
+              <a:t>these </a:t>
+            </a:r>
+            <a:r>
+              <a:rPr lang="en-US" sz="3200" dirty="0" smtClean="0"/>
+              <a:t>three, built-in intents</a:t>
             </a:r>
           </a:p>
           <a:p>
@@ -7412,13 +7419,8 @@
           <a:p>
             <a:r>
               <a:rPr lang="en-US" sz="3200" dirty="0" smtClean="0"/>
-              <a:t>Test each </a:t>
-            </a:r>
-            <a:r>
-              <a:rPr lang="en-US" sz="3200" smtClean="0"/>
-              <a:t>built-in intent</a:t>
-            </a:r>
-            <a:endParaRPr lang="en-US" sz="3200" dirty="0" smtClean="0"/>
+              <a:t>Test each built-in intent</a:t>
+            </a:r>
           </a:p>
           <a:p>
             <a:endParaRPr lang="en-US" dirty="0"/>
@@ -7549,6 +7551,403 @@
       </p:par>
     </p:tnLst>
   </p:timing>
+</p:sld>
+</file>
+
+<file path=ppt/slides/slide30.xml><?xml version="1.0" encoding="utf-8"?>
+<p:sld xmlns:a="http://schemas.openxmlformats.org/drawingml/2006/main" xmlns:r="http://schemas.openxmlformats.org/officeDocument/2006/relationships" xmlns:p="http://schemas.openxmlformats.org/presentationml/2006/main">
+  <p:cSld>
+    <p:spTree>
+      <p:nvGrpSpPr>
+        <p:cNvPr id="1" name=""/>
+        <p:cNvGrpSpPr/>
+        <p:nvPr/>
+      </p:nvGrpSpPr>
+      <p:grpSpPr>
+        <a:xfrm>
+          <a:off x="0" y="0"/>
+          <a:ext cx="0" cy="0"/>
+          <a:chOff x="0" y="0"/>
+          <a:chExt cx="0" cy="0"/>
+        </a:xfrm>
+      </p:grpSpPr>
+      <p:sp>
+        <p:nvSpPr>
+          <p:cNvPr id="2" name="Content Placeholder 1"/>
+          <p:cNvSpPr>
+            <a:spLocks noGrp="1"/>
+          </p:cNvSpPr>
+          <p:nvPr>
+            <p:ph sz="half" idx="1"/>
+          </p:nvPr>
+        </p:nvSpPr>
+        <p:spPr>
+          <a:xfrm>
+            <a:off x="435897" y="1561672"/>
+            <a:ext cx="8272208" cy="4299379"/>
+          </a:xfrm>
+        </p:spPr>
+        <p:txBody>
+          <a:bodyPr>
+            <a:normAutofit/>
+          </a:bodyPr>
+          <a:lstStyle/>
+          <a:p>
+            <a:r>
+              <a:rPr lang="en-US" sz="3200" dirty="0" smtClean="0"/>
+              <a:t>Custom Slot Types</a:t>
+            </a:r>
+          </a:p>
+          <a:p>
+            <a:pPr lvl="1"/>
+            <a:r>
+              <a:rPr lang="en-US" sz="3200" dirty="0" smtClean="0"/>
+              <a:t>Gather user data</a:t>
+            </a:r>
+          </a:p>
+          <a:p>
+            <a:pPr lvl="1"/>
+            <a:r>
+              <a:rPr lang="en-US" sz="3200" dirty="0" smtClean="0"/>
+              <a:t>Slot Type Reference</a:t>
+            </a:r>
+            <a:endParaRPr lang="en-US" sz="3200" dirty="0"/>
+          </a:p>
+          <a:p>
+            <a:pPr marL="445479" lvl="2" indent="0">
+              <a:buNone/>
+            </a:pPr>
+            <a:r>
+              <a:rPr lang="en-US" sz="3050" dirty="0" smtClean="0">
+                <a:hlinkClick r:id="rId2"/>
+              </a:rPr>
+              <a:t>https</a:t>
+            </a:r>
+            <a:r>
+              <a:rPr lang="en-US" sz="3050" dirty="0">
+                <a:hlinkClick r:id="rId2"/>
+              </a:rPr>
+              <a:t>://</a:t>
+            </a:r>
+            <a:r>
+              <a:rPr lang="en-US" sz="3050" dirty="0" smtClean="0">
+                <a:hlinkClick r:id="rId2"/>
+              </a:rPr>
+              <a:t>developer.amazon.com/docs/custom-skills/slot-type-reference.html</a:t>
+            </a:r>
+            <a:endParaRPr lang="en-US" sz="3050" dirty="0" smtClean="0"/>
+          </a:p>
+          <a:p>
+            <a:r>
+              <a:rPr lang="en-US" sz="3350" dirty="0" smtClean="0"/>
+              <a:t>Session Attributes</a:t>
+            </a:r>
+          </a:p>
+          <a:p>
+            <a:pPr lvl="1"/>
+            <a:r>
+              <a:rPr lang="en-US" sz="3200" dirty="0" smtClean="0"/>
+              <a:t>Store input data between intents</a:t>
+            </a:r>
+          </a:p>
+        </p:txBody>
+      </p:sp>
+      <p:sp>
+        <p:nvSpPr>
+          <p:cNvPr id="4" name="Title 3"/>
+          <p:cNvSpPr>
+            <a:spLocks noGrp="1"/>
+          </p:cNvSpPr>
+          <p:nvPr>
+            <p:ph type="title"/>
+          </p:nvPr>
+        </p:nvSpPr>
+        <p:spPr/>
+        <p:txBody>
+          <a:bodyPr/>
+          <a:lstStyle/>
+          <a:p>
+            <a:pPr algn="ctr"/>
+            <a:r>
+              <a:rPr lang="en-US" dirty="0" smtClean="0"/>
+              <a:t>Blood Test Results Skill (1)</a:t>
+            </a:r>
+            <a:endParaRPr lang="en-US" dirty="0"/>
+          </a:p>
+        </p:txBody>
+      </p:sp>
+    </p:spTree>
+    <p:extLst>
+      <p:ext uri="{BB962C8B-B14F-4D97-AF65-F5344CB8AC3E}">
+        <p14:creationId xmlns:p14="http://schemas.microsoft.com/office/powerpoint/2010/main" val="1195471806"/>
+      </p:ext>
+    </p:extLst>
+  </p:cSld>
+  <p:clrMapOvr>
+    <a:masterClrMapping/>
+  </p:clrMapOvr>
+</p:sld>
+</file>
+
+<file path=ppt/slides/slide31.xml><?xml version="1.0" encoding="utf-8"?>
+<p:sld xmlns:a="http://schemas.openxmlformats.org/drawingml/2006/main" xmlns:r="http://schemas.openxmlformats.org/officeDocument/2006/relationships" xmlns:p="http://schemas.openxmlformats.org/presentationml/2006/main">
+  <p:cSld>
+    <p:spTree>
+      <p:nvGrpSpPr>
+        <p:cNvPr id="1" name=""/>
+        <p:cNvGrpSpPr/>
+        <p:nvPr/>
+      </p:nvGrpSpPr>
+      <p:grpSpPr>
+        <a:xfrm>
+          <a:off x="0" y="0"/>
+          <a:ext cx="0" cy="0"/>
+          <a:chOff x="0" y="0"/>
+          <a:chExt cx="0" cy="0"/>
+        </a:xfrm>
+      </p:grpSpPr>
+      <p:sp>
+        <p:nvSpPr>
+          <p:cNvPr id="2" name="Content Placeholder 1"/>
+          <p:cNvSpPr>
+            <a:spLocks noGrp="1"/>
+          </p:cNvSpPr>
+          <p:nvPr>
+            <p:ph sz="half" idx="1"/>
+          </p:nvPr>
+        </p:nvSpPr>
+        <p:spPr>
+          <a:xfrm>
+            <a:off x="435897" y="1561672"/>
+            <a:ext cx="8272208" cy="4299379"/>
+          </a:xfrm>
+        </p:spPr>
+        <p:txBody>
+          <a:bodyPr>
+            <a:normAutofit/>
+          </a:bodyPr>
+          <a:lstStyle/>
+          <a:p>
+            <a:r>
+              <a:rPr lang="en-US" sz="3200" dirty="0" smtClean="0"/>
+              <a:t>“01-blood-test-results”</a:t>
+            </a:r>
+          </a:p>
+          <a:p>
+            <a:r>
+              <a:rPr lang="en-US" sz="3350" dirty="0" smtClean="0"/>
+              <a:t>Speech Assets</a:t>
+            </a:r>
+          </a:p>
+          <a:p>
+            <a:pPr lvl="1"/>
+            <a:r>
+              <a:rPr lang="en-US" sz="3200" dirty="0" smtClean="0"/>
+              <a:t>Intent Schema</a:t>
+            </a:r>
+          </a:p>
+          <a:p>
+            <a:pPr lvl="1"/>
+            <a:r>
+              <a:rPr lang="en-US" sz="3200" dirty="0" smtClean="0"/>
+              <a:t>Sample Utterances</a:t>
+            </a:r>
+          </a:p>
+          <a:p>
+            <a:r>
+              <a:rPr lang="en-US" sz="3350" dirty="0" smtClean="0"/>
+              <a:t>Modify the skill in the developer portal</a:t>
+            </a:r>
+            <a:endParaRPr lang="en-US" sz="3350" dirty="0" smtClean="0"/>
+          </a:p>
+        </p:txBody>
+      </p:sp>
+      <p:sp>
+        <p:nvSpPr>
+          <p:cNvPr id="4" name="Title 3"/>
+          <p:cNvSpPr>
+            <a:spLocks noGrp="1"/>
+          </p:cNvSpPr>
+          <p:nvPr>
+            <p:ph type="title"/>
+          </p:nvPr>
+        </p:nvSpPr>
+        <p:spPr/>
+        <p:txBody>
+          <a:bodyPr/>
+          <a:lstStyle/>
+          <a:p>
+            <a:pPr algn="ctr"/>
+            <a:r>
+              <a:rPr lang="en-US" dirty="0"/>
+              <a:t>Blood Test Results Skill </a:t>
+            </a:r>
+            <a:r>
+              <a:rPr lang="en-US" dirty="0" smtClean="0"/>
+              <a:t>(2)</a:t>
+            </a:r>
+            <a:endParaRPr lang="en-US" dirty="0"/>
+          </a:p>
+        </p:txBody>
+      </p:sp>
+    </p:spTree>
+    <p:extLst>
+      <p:ext uri="{BB962C8B-B14F-4D97-AF65-F5344CB8AC3E}">
+        <p14:creationId xmlns:p14="http://schemas.microsoft.com/office/powerpoint/2010/main" val="1683650784"/>
+      </p:ext>
+    </p:extLst>
+  </p:cSld>
+  <p:clrMapOvr>
+    <a:masterClrMapping/>
+  </p:clrMapOvr>
+</p:sld>
+</file>
+
+<file path=ppt/slides/slide32.xml><?xml version="1.0" encoding="utf-8"?>
+<p:sld xmlns:a="http://schemas.openxmlformats.org/drawingml/2006/main" xmlns:r="http://schemas.openxmlformats.org/officeDocument/2006/relationships" xmlns:p="http://schemas.openxmlformats.org/presentationml/2006/main">
+  <p:cSld>
+    <p:spTree>
+      <p:nvGrpSpPr>
+        <p:cNvPr id="1" name=""/>
+        <p:cNvGrpSpPr/>
+        <p:nvPr/>
+      </p:nvGrpSpPr>
+      <p:grpSpPr>
+        <a:xfrm>
+          <a:off x="0" y="0"/>
+          <a:ext cx="0" cy="0"/>
+          <a:chOff x="0" y="0"/>
+          <a:chExt cx="0" cy="0"/>
+        </a:xfrm>
+      </p:grpSpPr>
+      <p:sp>
+        <p:nvSpPr>
+          <p:cNvPr id="2" name="Content Placeholder 1"/>
+          <p:cNvSpPr>
+            <a:spLocks noGrp="1"/>
+          </p:cNvSpPr>
+          <p:nvPr>
+            <p:ph sz="half" idx="1"/>
+          </p:nvPr>
+        </p:nvSpPr>
+        <p:spPr>
+          <a:xfrm>
+            <a:off x="435897" y="1561672"/>
+            <a:ext cx="8272208" cy="4299379"/>
+          </a:xfrm>
+        </p:spPr>
+        <p:txBody>
+          <a:bodyPr>
+            <a:normAutofit fontScale="85000" lnSpcReduction="20000"/>
+          </a:bodyPr>
+          <a:lstStyle/>
+          <a:p>
+            <a:r>
+              <a:rPr lang="en-US" sz="3350" dirty="0"/>
+              <a:t>Data directory</a:t>
+            </a:r>
+          </a:p>
+          <a:p>
+            <a:pPr lvl="1"/>
+            <a:r>
+              <a:rPr lang="en-US" sz="3200" dirty="0"/>
+              <a:t>bloodWork.js</a:t>
+            </a:r>
+          </a:p>
+          <a:p>
+            <a:pPr lvl="1"/>
+            <a:r>
+              <a:rPr lang="en-US" sz="3200" dirty="0"/>
+              <a:t>bloodWorkRanges.js</a:t>
+            </a:r>
+          </a:p>
+          <a:p>
+            <a:pPr lvl="1"/>
+            <a:r>
+              <a:rPr lang="en-US" sz="3200" dirty="0"/>
+              <a:t>displayBloodResults.js</a:t>
+            </a:r>
+          </a:p>
+          <a:p>
+            <a:r>
+              <a:rPr lang="en-US" sz="3200" dirty="0" smtClean="0"/>
+              <a:t>Index.js</a:t>
+            </a:r>
+          </a:p>
+          <a:p>
+            <a:pPr lvl="1"/>
+            <a:r>
+              <a:rPr lang="en-US" sz="3050" dirty="0" smtClean="0"/>
+              <a:t>New intents</a:t>
+            </a:r>
+          </a:p>
+          <a:p>
+            <a:pPr lvl="1"/>
+            <a:r>
+              <a:rPr lang="en-US" sz="3050" dirty="0" smtClean="0"/>
+              <a:t>Storing patient number – session attribute</a:t>
+            </a:r>
+          </a:p>
+          <a:p>
+            <a:pPr lvl="1"/>
+            <a:r>
+              <a:rPr lang="en-US" sz="3050" dirty="0" smtClean="0"/>
+              <a:t>Cards</a:t>
+            </a:r>
+          </a:p>
+          <a:p>
+            <a:pPr lvl="2"/>
+            <a:r>
+              <a:rPr lang="en-US" sz="2900" dirty="0" smtClean="0"/>
+              <a:t>Displays information in Alexa app</a:t>
+            </a:r>
+          </a:p>
+          <a:p>
+            <a:pPr marL="0" indent="0">
+              <a:buNone/>
+            </a:pPr>
+            <a:endParaRPr lang="en-US" sz="3200" dirty="0"/>
+          </a:p>
+        </p:txBody>
+      </p:sp>
+      <p:sp>
+        <p:nvSpPr>
+          <p:cNvPr id="4" name="Title 3"/>
+          <p:cNvSpPr>
+            <a:spLocks noGrp="1"/>
+          </p:cNvSpPr>
+          <p:nvPr>
+            <p:ph type="title"/>
+          </p:nvPr>
+        </p:nvSpPr>
+        <p:spPr/>
+        <p:txBody>
+          <a:bodyPr/>
+          <a:lstStyle/>
+          <a:p>
+            <a:pPr algn="ctr"/>
+            <a:r>
+              <a:rPr lang="en-US" dirty="0"/>
+              <a:t>Blood Test Results Skill </a:t>
+            </a:r>
+            <a:r>
+              <a:rPr lang="en-US" dirty="0" smtClean="0"/>
+              <a:t>Code</a:t>
+            </a:r>
+            <a:endParaRPr lang="en-US" dirty="0"/>
+          </a:p>
+        </p:txBody>
+      </p:sp>
+    </p:spTree>
+    <p:extLst>
+      <p:ext uri="{BB962C8B-B14F-4D97-AF65-F5344CB8AC3E}">
+        <p14:creationId xmlns:p14="http://schemas.microsoft.com/office/powerpoint/2010/main" val="250880691"/>
+      </p:ext>
+    </p:extLst>
+  </p:cSld>
+  <p:clrMapOvr>
+    <a:masterClrMapping/>
+  </p:clrMapOvr>
 </p:sld>
 </file>
 

--- a/build-an-alexa-skill-for.pptx
+++ b/build-an-alexa-skill-for.pptx
@@ -7381,15 +7381,7 @@
           <a:p>
             <a:r>
               <a:rPr lang="en-US" sz="3200" dirty="0" smtClean="0"/>
-              <a:t>Add Lambda code to handle </a:t>
-            </a:r>
-            <a:r>
-              <a:rPr lang="en-US" sz="3200" dirty="0" smtClean="0"/>
-              <a:t>these </a:t>
-            </a:r>
-            <a:r>
-              <a:rPr lang="en-US" sz="3200" dirty="0" smtClean="0"/>
-              <a:t>three, built-in intents</a:t>
+              <a:t>Add Lambda code to handle these three, built-in intents</a:t>
             </a:r>
           </a:p>
           <a:p>
@@ -7724,7 +7716,7 @@
         </p:spPr>
         <p:txBody>
           <a:bodyPr>
-            <a:normAutofit/>
+            <a:normAutofit fontScale="70000" lnSpcReduction="20000"/>
           </a:bodyPr>
           <a:lstStyle/>
           <a:p>
@@ -7756,9 +7748,61 @@
           <a:p>
             <a:r>
               <a:rPr lang="en-US" sz="3350" dirty="0" smtClean="0"/>
-              <a:t>Modify the skill in the developer portal</a:t>
-            </a:r>
-            <a:endParaRPr lang="en-US" sz="3350" dirty="0" smtClean="0"/>
+              <a:t>Modify the skill in the developer </a:t>
+            </a:r>
+            <a:r>
+              <a:rPr lang="en-US" sz="3350" dirty="0" smtClean="0"/>
+              <a:t>portal</a:t>
+            </a:r>
+          </a:p>
+          <a:p>
+            <a:pPr lvl="1"/>
+            <a:r>
+              <a:rPr lang="en-US" sz="3200" dirty="0" smtClean="0"/>
+              <a:t>Remove Hello intent</a:t>
+            </a:r>
+          </a:p>
+          <a:p>
+            <a:pPr lvl="1"/>
+            <a:r>
+              <a:rPr lang="en-US" sz="3200" dirty="0" smtClean="0"/>
+              <a:t>Add </a:t>
+            </a:r>
+            <a:r>
+              <a:rPr lang="en-US" sz="3200" dirty="0" err="1" smtClean="0"/>
+              <a:t>YesIntent</a:t>
+            </a:r>
+            <a:r>
+              <a:rPr lang="en-US" sz="3200" dirty="0" smtClean="0"/>
+              <a:t> </a:t>
+            </a:r>
+          </a:p>
+          <a:p>
+            <a:pPr lvl="1"/>
+            <a:r>
+              <a:rPr lang="en-US" sz="3200" dirty="0" smtClean="0"/>
+              <a:t>Add </a:t>
+            </a:r>
+            <a:r>
+              <a:rPr lang="en-US" sz="3200" dirty="0" err="1" smtClean="0"/>
+              <a:t>NoIntent</a:t>
+            </a:r>
+            <a:endParaRPr lang="en-US" sz="3200" dirty="0" smtClean="0"/>
+          </a:p>
+          <a:p>
+            <a:pPr lvl="1"/>
+            <a:r>
+              <a:rPr lang="en-US" sz="3200" dirty="0" smtClean="0"/>
+              <a:t>Add intent slot for patient number</a:t>
+            </a:r>
+          </a:p>
+          <a:p>
+            <a:pPr lvl="1"/>
+            <a:r>
+              <a:rPr lang="en-US" sz="3200" dirty="0" smtClean="0"/>
+              <a:t>Add sample utterances</a:t>
+            </a:r>
+            <a:endParaRPr lang="en-US" sz="3200" dirty="0" smtClean="0"/>
           </a:p>
         </p:txBody>
       </p:sp>

--- a/build-an-alexa-skill-for.pptx
+++ b/build-an-alexa-skill-for.pptx
@@ -5,7 +5,7 @@
     <p:sldMasterId id="2147483648" r:id="rId1"/>
   </p:sldMasterIdLst>
   <p:notesMasterIdLst>
-    <p:notesMasterId r:id="rId34"/>
+    <p:notesMasterId r:id="rId37"/>
   </p:notesMasterIdLst>
   <p:sldIdLst>
     <p:sldId id="256" r:id="rId2"/>
@@ -40,6 +40,9 @@
     <p:sldId id="287" r:id="rId31"/>
     <p:sldId id="288" r:id="rId32"/>
     <p:sldId id="289" r:id="rId33"/>
+    <p:sldId id="290" r:id="rId34"/>
+    <p:sldId id="291" r:id="rId35"/>
+    <p:sldId id="292" r:id="rId36"/>
   </p:sldIdLst>
   <p:sldSz cx="9144000" cy="6858000" type="screen4x3"/>
   <p:notesSz cx="6858000" cy="9144000"/>
@@ -206,7 +209,7 @@
             </a:lvl1pPr>
           </a:lstStyle>
           <a:p>
-            <a:endParaRPr lang="en-US"/>
+            <a:endParaRPr lang="en-US" dirty="0"/>
           </a:p>
         </p:txBody>
       </p:sp>
@@ -241,7 +244,7 @@
               <a:rPr lang="en-US" smtClean="0"/>
               <a:t>4/1/2018</a:t>
             </a:fld>
-            <a:endParaRPr lang="en-US"/>
+            <a:endParaRPr lang="en-US" dirty="0"/>
           </a:p>
         </p:txBody>
       </p:sp>
@@ -274,7 +277,7 @@
           <a:bodyPr vert="horz" lIns="91440" tIns="45720" rIns="91440" bIns="45720" rtlCol="0" anchor="ctr"/>
           <a:lstStyle/>
           <a:p>
-            <a:endParaRPr lang="en-US"/>
+            <a:endParaRPr lang="en-US" dirty="0"/>
           </a:p>
         </p:txBody>
       </p:sp>
@@ -365,7 +368,7 @@
             </a:lvl1pPr>
           </a:lstStyle>
           <a:p>
-            <a:endParaRPr lang="en-US"/>
+            <a:endParaRPr lang="en-US" dirty="0"/>
           </a:p>
         </p:txBody>
       </p:sp>
@@ -400,7 +403,7 @@
               <a:rPr lang="en-US" smtClean="0"/>
               <a:t>‹#›</a:t>
             </a:fld>
-            <a:endParaRPr lang="en-US"/>
+            <a:endParaRPr lang="en-US" dirty="0"/>
           </a:p>
         </p:txBody>
       </p:sp>
@@ -551,7 +554,7 @@
           <a:bodyPr/>
           <a:lstStyle/>
           <a:p>
-            <a:endParaRPr lang="en-US"/>
+            <a:endParaRPr lang="en-US" dirty="0"/>
           </a:p>
         </p:txBody>
       </p:sp>
@@ -574,7 +577,7 @@
               <a:rPr lang="en-US" smtClean="0"/>
               <a:t>1</a:t>
             </a:fld>
-            <a:endParaRPr lang="en-US"/>
+            <a:endParaRPr lang="en-US" dirty="0"/>
           </a:p>
         </p:txBody>
       </p:sp>
@@ -658,7 +661,7 @@
               <a:rPr lang="en-US" smtClean="0"/>
               <a:t>6</a:t>
             </a:fld>
-            <a:endParaRPr lang="en-US"/>
+            <a:endParaRPr lang="en-US" dirty="0"/>
           </a:p>
         </p:txBody>
       </p:sp>
@@ -1105,7 +1108,7 @@
           <a:lstStyle/>
           <a:p>
             <a:r>
-              <a:rPr lang="en-US" smtClean="0"/>
+              <a:rPr lang="en-US" dirty="0" smtClean="0"/>
               <a:t>Build an Alexa Skill for the Amazon Echo</a:t>
             </a:r>
             <a:endParaRPr lang="en-US" dirty="0"/>
@@ -1365,7 +1368,7 @@
           <a:lstStyle/>
           <a:p>
             <a:r>
-              <a:rPr lang="en-US" smtClean="0"/>
+              <a:rPr lang="en-US" dirty="0" smtClean="0"/>
               <a:t>Build an Alexa Skill for the Amazon Echo</a:t>
             </a:r>
             <a:endParaRPr lang="en-US" dirty="0"/>
@@ -3905,7 +3908,7 @@
           </a:lstStyle>
           <a:p>
             <a:r>
-              <a:rPr lang="en-US" smtClean="0"/>
+              <a:rPr lang="en-US" dirty="0" smtClean="0"/>
               <a:t>Build an Alexa Skill for the Amazon Echo</a:t>
             </a:r>
             <a:endParaRPr lang="en-US" dirty="0"/>
@@ -4091,7 +4094,7 @@
           </a:lstStyle>
           <a:p>
             <a:r>
-              <a:rPr lang="en-US" smtClean="0"/>
+              <a:rPr lang="en-US" dirty="0" smtClean="0"/>
               <a:t>Drag picture to placeholder or click icon to add</a:t>
             </a:r>
             <a:endParaRPr lang="en-US" dirty="0"/>
@@ -4216,7 +4219,7 @@
           <a:lstStyle/>
           <a:p>
             <a:r>
-              <a:rPr lang="en-US" smtClean="0"/>
+              <a:rPr lang="en-US" dirty="0" smtClean="0"/>
               <a:t>Build an Alexa Skill for the Amazon Echo</a:t>
             </a:r>
             <a:endParaRPr lang="en-US" dirty="0"/>
@@ -4836,7 +4839,7 @@
           <a:bodyPr/>
           <a:lstStyle/>
           <a:p>
-            <a:endParaRPr lang="en-US"/>
+            <a:endParaRPr lang="en-US" dirty="0"/>
           </a:p>
         </p:txBody>
       </p:sp>
@@ -4915,20 +4918,12 @@
           </a:p>
           <a:p>
             <a:r>
-              <a:rPr lang="en-US" sz="3200" dirty="0" err="1"/>
+              <a:rPr lang="en-US" sz="3200" dirty="0"/>
               <a:t>n</a:t>
             </a:r>
             <a:r>
-              <a:rPr lang="en-US" sz="3200" dirty="0" err="1" smtClean="0"/>
-              <a:t>pm</a:t>
-            </a:r>
-            <a:r>
               <a:rPr lang="en-US" sz="3200" dirty="0" smtClean="0"/>
-              <a:t> install --save </a:t>
-            </a:r>
-            <a:r>
-              <a:rPr lang="en-US" sz="3200" dirty="0" err="1" smtClean="0"/>
-              <a:t>alexa-sdk</a:t>
+              <a:t>pm install --save alexa-sdk</a:t>
             </a:r>
             <a:endParaRPr lang="en-US" sz="3200" dirty="0"/>
           </a:p>
@@ -5644,12 +5639,8 @@
           </a:p>
           <a:p>
             <a:r>
-              <a:rPr lang="en-US" sz="3200" dirty="0" err="1" smtClean="0"/>
-              <a:t>exports.handler</a:t>
-            </a:r>
-            <a:r>
               <a:rPr lang="en-US" sz="3200" dirty="0" smtClean="0"/>
-              <a:t> parameters</a:t>
+              <a:t>exports.handler parameters</a:t>
             </a:r>
           </a:p>
           <a:p>
@@ -5759,12 +5750,8 @@
           <a:p>
             <a:pPr lvl="1"/>
             <a:r>
-              <a:rPr lang="en-US" sz="3050" dirty="0" err="1" smtClean="0"/>
-              <a:t>LauchRequest</a:t>
-            </a:r>
-            <a:r>
               <a:rPr lang="en-US" sz="3050" dirty="0" smtClean="0"/>
-              <a:t> intent</a:t>
+              <a:t>LauchRequest intent</a:t>
             </a:r>
           </a:p>
           <a:p>
@@ -5916,10 +5903,9 @@
           <a:p>
             <a:pPr lvl="1"/>
             <a:r>
-              <a:rPr lang="en-US" sz="3050" dirty="0" err="1" smtClean="0"/>
+              <a:rPr lang="en-US" sz="3050" dirty="0" smtClean="0"/>
               <a:t>lamba_basic_execution</a:t>
             </a:r>
-            <a:endParaRPr lang="en-US" sz="3050" dirty="0" smtClean="0"/>
           </a:p>
           <a:p>
             <a:endParaRPr lang="en-US" sz="3200" dirty="0" smtClean="0"/>
@@ -6143,12 +6129,8 @@
           <a:lstStyle/>
           <a:p>
             <a:r>
-              <a:rPr lang="en-US" sz="3200" dirty="0" err="1"/>
-              <a:t>Artur</a:t>
-            </a:r>
-            <a:r>
               <a:rPr lang="en-US" sz="3200" dirty="0"/>
-              <a:t> </a:t>
+              <a:t>Artur </a:t>
             </a:r>
             <a:r>
               <a:rPr lang="en-US" sz="3200" dirty="0" smtClean="0"/>
@@ -6266,8 +6248,8 @@
               <a:t>On the left, select </a:t>
             </a:r>
             <a:r>
-              <a:rPr lang="en-US" sz="3050" dirty="0" err="1" smtClean="0"/>
-              <a:t>Endpoiunt</a:t>
+              <a:rPr lang="en-US" sz="3050" dirty="0" smtClean="0"/>
+              <a:t>Endpoint</a:t>
             </a:r>
             <a:endParaRPr lang="en-US" sz="3050" dirty="0" smtClean="0"/>
           </a:p>
@@ -6386,49 +6368,25 @@
               <a:t>From your terminal window, navigate to the </a:t>
             </a:r>
             <a:r>
-              <a:rPr lang="en-US" sz="3200" dirty="0" err="1" smtClean="0"/>
-              <a:t>lamba</a:t>
-            </a:r>
-            <a:r>
               <a:rPr lang="en-US" sz="3200" dirty="0" smtClean="0"/>
-              <a:t> directory under “00-hello-basic-skill”</a:t>
-            </a:r>
-          </a:p>
-          <a:p>
+              <a:t>lambda </a:t>
+            </a:r>
             <a:r>
               <a:rPr lang="en-US" sz="3200" dirty="0" smtClean="0"/>
-              <a:t>Run “</a:t>
-            </a:r>
-            <a:r>
-              <a:rPr lang="en-US" sz="3200" dirty="0" err="1" smtClean="0"/>
-              <a:t>npm</a:t>
-            </a:r>
+              <a:t>directory under “00-hello-basic-skill”</a:t>
+            </a:r>
+          </a:p>
+          <a:p>
             <a:r>
               <a:rPr lang="en-US" sz="3200" dirty="0" smtClean="0"/>
-              <a:t> install --save </a:t>
-            </a:r>
-            <a:r>
-              <a:rPr lang="en-US" sz="3200" dirty="0" err="1" smtClean="0"/>
-              <a:t>alexa-sdk</a:t>
-            </a:r>
-            <a:r>
-              <a:rPr lang="en-US" sz="3200" dirty="0" smtClean="0"/>
-              <a:t>”</a:t>
+              <a:t>Run “npm install --save alexa-sdk”</a:t>
             </a:r>
           </a:p>
           <a:p>
             <a:pPr lvl="1"/>
             <a:r>
               <a:rPr lang="en-US" sz="3050" dirty="0" smtClean="0"/>
-              <a:t>Installs the Alexa SDK (</a:t>
-            </a:r>
-            <a:r>
-              <a:rPr lang="en-US" sz="3050" dirty="0" err="1" smtClean="0"/>
-              <a:t>node_modules</a:t>
-            </a:r>
-            <a:r>
-              <a:rPr lang="en-US" sz="3050" dirty="0" smtClean="0"/>
-              <a:t>)</a:t>
+              <a:t>Installs the Alexa SDK (node_modules)</a:t>
             </a:r>
           </a:p>
           <a:p>
@@ -6544,20 +6502,20 @@
               <a:t>From File Explorer, select the files in the  </a:t>
             </a:r>
             <a:r>
-              <a:rPr lang="en-US" sz="2900" dirty="0" err="1" smtClean="0"/>
-              <a:t>lamba</a:t>
-            </a:r>
-            <a:r>
               <a:rPr lang="en-US" sz="2900" dirty="0" smtClean="0"/>
-              <a:t> directory (not the </a:t>
-            </a:r>
-            <a:r>
-              <a:rPr lang="en-US" sz="2900" dirty="0" err="1" smtClean="0"/>
-              <a:t>lamba</a:t>
+              <a:t>lambda </a:t>
             </a:r>
             <a:r>
               <a:rPr lang="en-US" sz="2900" dirty="0" smtClean="0"/>
-              <a:t> dir. itself)</a:t>
+              <a:t>directory (not the </a:t>
+            </a:r>
+            <a:r>
+              <a:rPr lang="en-US" sz="2900" dirty="0" smtClean="0"/>
+              <a:t>lambda </a:t>
+            </a:r>
+            <a:r>
+              <a:rPr lang="en-US" sz="2900" dirty="0" smtClean="0"/>
+              <a:t>dir. itself)</a:t>
             </a:r>
           </a:p>
           <a:p>
@@ -7295,8 +7253,8 @@
               <a:t>Output from your skill will appear </a:t>
             </a:r>
             <a:r>
-              <a:rPr lang="en-US" sz="3050" dirty="0" err="1" smtClean="0"/>
-              <a:t>there,too</a:t>
+              <a:rPr lang="en-US" sz="3050" dirty="0" smtClean="0"/>
+              <a:t>there, too</a:t>
             </a:r>
             <a:endParaRPr lang="en-US" sz="3050" dirty="0" smtClean="0"/>
           </a:p>
@@ -7387,26 +7345,23 @@
           <a:p>
             <a:pPr lvl="1"/>
             <a:r>
-              <a:rPr lang="en-US" sz="3050" dirty="0" err="1" smtClean="0"/>
+              <a:rPr lang="en-US" sz="3050" dirty="0" smtClean="0"/>
               <a:t>StopIntent</a:t>
             </a:r>
-            <a:endParaRPr lang="en-US" sz="3050" dirty="0" smtClean="0"/>
-          </a:p>
-          <a:p>
-            <a:pPr lvl="1"/>
-            <a:r>
-              <a:rPr lang="en-US" sz="3050" dirty="0" err="1" smtClean="0"/>
+          </a:p>
+          <a:p>
+            <a:pPr lvl="1"/>
+            <a:r>
+              <a:rPr lang="en-US" sz="3050" dirty="0" smtClean="0"/>
               <a:t>CancelIntent</a:t>
             </a:r>
-            <a:endParaRPr lang="en-US" sz="3050" dirty="0" smtClean="0"/>
-          </a:p>
-          <a:p>
-            <a:pPr lvl="1"/>
-            <a:r>
-              <a:rPr lang="en-US" sz="3050" dirty="0" err="1" smtClean="0"/>
+          </a:p>
+          <a:p>
+            <a:pPr lvl="1"/>
+            <a:r>
+              <a:rPr lang="en-US" sz="3050" dirty="0" smtClean="0"/>
               <a:t>HelpIntent</a:t>
             </a:r>
-            <a:endParaRPr lang="en-US" sz="3050" dirty="0" smtClean="0"/>
           </a:p>
           <a:p>
             <a:r>
@@ -7748,11 +7703,7 @@
           <a:p>
             <a:r>
               <a:rPr lang="en-US" sz="3350" dirty="0" smtClean="0"/>
-              <a:t>Modify the skill in the developer </a:t>
-            </a:r>
-            <a:r>
-              <a:rPr lang="en-US" sz="3350" dirty="0" smtClean="0"/>
-              <a:t>portal</a:t>
+              <a:t>Modify the skill in the developer portal</a:t>
             </a:r>
           </a:p>
           <a:p>
@@ -7766,28 +7717,15 @@
             <a:pPr lvl="1"/>
             <a:r>
               <a:rPr lang="en-US" sz="3200" dirty="0" smtClean="0"/>
-              <a:t>Add </a:t>
-            </a:r>
-            <a:r>
-              <a:rPr lang="en-US" sz="3200" dirty="0" err="1" smtClean="0"/>
-              <a:t>YesIntent</a:t>
-            </a:r>
+              <a:t>Add YesIntent </a:t>
+            </a:r>
+          </a:p>
+          <a:p>
+            <a:pPr lvl="1"/>
             <a:r>
               <a:rPr lang="en-US" sz="3200" dirty="0" smtClean="0"/>
-              <a:t> </a:t>
-            </a:r>
-          </a:p>
-          <a:p>
-            <a:pPr lvl="1"/>
-            <a:r>
-              <a:rPr lang="en-US" sz="3200" dirty="0" smtClean="0"/>
-              <a:t>Add </a:t>
-            </a:r>
-            <a:r>
-              <a:rPr lang="en-US" sz="3200" dirty="0" err="1" smtClean="0"/>
-              <a:t>NoIntent</a:t>
-            </a:r>
-            <a:endParaRPr lang="en-US" sz="3200" dirty="0" smtClean="0"/>
+              <a:t>Add NoIntent</a:t>
+            </a:r>
           </a:p>
           <a:p>
             <a:pPr lvl="1"/>
@@ -7802,7 +7740,6 @@
               <a:rPr lang="en-US" sz="3200" dirty="0" smtClean="0"/>
               <a:t>Add sample utterances</a:t>
             </a:r>
-            <a:endParaRPr lang="en-US" sz="3200" dirty="0" smtClean="0"/>
           </a:p>
         </p:txBody>
       </p:sp>
@@ -7986,6 +7923,382 @@
     <p:extLst>
       <p:ext uri="{BB962C8B-B14F-4D97-AF65-F5344CB8AC3E}">
         <p14:creationId xmlns:p14="http://schemas.microsoft.com/office/powerpoint/2010/main" val="250880691"/>
+      </p:ext>
+    </p:extLst>
+  </p:cSld>
+  <p:clrMapOvr>
+    <a:masterClrMapping/>
+  </p:clrMapOvr>
+</p:sld>
+</file>
+
+<file path=ppt/slides/slide33.xml><?xml version="1.0" encoding="utf-8"?>
+<p:sld xmlns:a="http://schemas.openxmlformats.org/drawingml/2006/main" xmlns:r="http://schemas.openxmlformats.org/officeDocument/2006/relationships" xmlns:p="http://schemas.openxmlformats.org/presentationml/2006/main">
+  <p:cSld>
+    <p:spTree>
+      <p:nvGrpSpPr>
+        <p:cNvPr id="1" name=""/>
+        <p:cNvGrpSpPr/>
+        <p:nvPr/>
+      </p:nvGrpSpPr>
+      <p:grpSpPr>
+        <a:xfrm>
+          <a:off x="0" y="0"/>
+          <a:ext cx="0" cy="0"/>
+          <a:chOff x="0" y="0"/>
+          <a:chExt cx="0" cy="0"/>
+        </a:xfrm>
+      </p:grpSpPr>
+      <p:sp>
+        <p:nvSpPr>
+          <p:cNvPr id="2" name="Content Placeholder 1"/>
+          <p:cNvSpPr>
+            <a:spLocks noGrp="1"/>
+          </p:cNvSpPr>
+          <p:nvPr>
+            <p:ph sz="half" idx="1"/>
+          </p:nvPr>
+        </p:nvSpPr>
+        <p:spPr>
+          <a:xfrm>
+            <a:off x="435897" y="1561672"/>
+            <a:ext cx="8272208" cy="4299379"/>
+          </a:xfrm>
+        </p:spPr>
+        <p:txBody>
+          <a:bodyPr>
+            <a:normAutofit/>
+          </a:bodyPr>
+          <a:lstStyle/>
+          <a:p>
+            <a:r>
+              <a:rPr lang="en-US" sz="3200" dirty="0" smtClean="0"/>
+              <a:t>“02-blood-test-segmentation”</a:t>
+            </a:r>
+          </a:p>
+          <a:p>
+            <a:r>
+              <a:rPr lang="en-US" sz="3200" dirty="0" smtClean="0"/>
+              <a:t>Blood Test Results versus Diagnostic Tests</a:t>
+            </a:r>
+          </a:p>
+          <a:p>
+            <a:r>
+              <a:rPr lang="en-US" sz="3200" dirty="0" smtClean="0"/>
+              <a:t>Blood Test Results</a:t>
+            </a:r>
+          </a:p>
+          <a:p>
+            <a:pPr lvl="1"/>
+            <a:r>
+              <a:rPr lang="en-US" sz="3050" dirty="0" smtClean="0"/>
+              <a:t>Hematology</a:t>
+            </a:r>
+          </a:p>
+          <a:p>
+            <a:pPr lvl="1"/>
+            <a:r>
+              <a:rPr lang="en-US" sz="3050" dirty="0" smtClean="0"/>
+              <a:t>Arterial Gas</a:t>
+            </a:r>
+          </a:p>
+          <a:p>
+            <a:pPr lvl="1"/>
+            <a:r>
+              <a:rPr lang="en-US" sz="3050" dirty="0" smtClean="0"/>
+              <a:t>Electrolytes</a:t>
+            </a:r>
+            <a:endParaRPr lang="en-US" sz="3050" dirty="0" smtClean="0"/>
+          </a:p>
+          <a:p>
+            <a:pPr lvl="1"/>
+            <a:endParaRPr lang="en-US" sz="3050" dirty="0"/>
+          </a:p>
+        </p:txBody>
+      </p:sp>
+      <p:sp>
+        <p:nvSpPr>
+          <p:cNvPr id="4" name="Title 3"/>
+          <p:cNvSpPr>
+            <a:spLocks noGrp="1"/>
+          </p:cNvSpPr>
+          <p:nvPr>
+            <p:ph type="title"/>
+          </p:nvPr>
+        </p:nvSpPr>
+        <p:spPr/>
+        <p:txBody>
+          <a:bodyPr/>
+          <a:lstStyle/>
+          <a:p>
+            <a:pPr algn="ctr"/>
+            <a:r>
+              <a:rPr lang="en-US" dirty="0"/>
+              <a:t>Blood Test </a:t>
+            </a:r>
+            <a:r>
+              <a:rPr lang="en-US" dirty="0" smtClean="0"/>
+              <a:t>Results – Segmentation (1)</a:t>
+            </a:r>
+            <a:endParaRPr lang="en-US" dirty="0"/>
+          </a:p>
+        </p:txBody>
+      </p:sp>
+    </p:spTree>
+    <p:extLst>
+      <p:ext uri="{BB962C8B-B14F-4D97-AF65-F5344CB8AC3E}">
+        <p14:creationId xmlns:p14="http://schemas.microsoft.com/office/powerpoint/2010/main" val="1174059677"/>
+      </p:ext>
+    </p:extLst>
+  </p:cSld>
+  <p:clrMapOvr>
+    <a:masterClrMapping/>
+  </p:clrMapOvr>
+</p:sld>
+</file>
+
+<file path=ppt/slides/slide34.xml><?xml version="1.0" encoding="utf-8"?>
+<p:sld xmlns:a="http://schemas.openxmlformats.org/drawingml/2006/main" xmlns:r="http://schemas.openxmlformats.org/officeDocument/2006/relationships" xmlns:p="http://schemas.openxmlformats.org/presentationml/2006/main">
+  <p:cSld>
+    <p:spTree>
+      <p:nvGrpSpPr>
+        <p:cNvPr id="1" name=""/>
+        <p:cNvGrpSpPr/>
+        <p:nvPr/>
+      </p:nvGrpSpPr>
+      <p:grpSpPr>
+        <a:xfrm>
+          <a:off x="0" y="0"/>
+          <a:ext cx="0" cy="0"/>
+          <a:chOff x="0" y="0"/>
+          <a:chExt cx="0" cy="0"/>
+        </a:xfrm>
+      </p:grpSpPr>
+      <p:sp>
+        <p:nvSpPr>
+          <p:cNvPr id="2" name="Content Placeholder 1"/>
+          <p:cNvSpPr>
+            <a:spLocks noGrp="1"/>
+          </p:cNvSpPr>
+          <p:nvPr>
+            <p:ph sz="half" idx="1"/>
+          </p:nvPr>
+        </p:nvSpPr>
+        <p:spPr>
+          <a:xfrm>
+            <a:off x="435897" y="1561672"/>
+            <a:ext cx="8272208" cy="4299379"/>
+          </a:xfrm>
+        </p:spPr>
+        <p:txBody>
+          <a:bodyPr>
+            <a:normAutofit/>
+          </a:bodyPr>
+          <a:lstStyle/>
+          <a:p>
+            <a:r>
+              <a:rPr lang="en-US" sz="3200" dirty="0" smtClean="0"/>
+              <a:t>Speech Assets</a:t>
+            </a:r>
+          </a:p>
+          <a:p>
+            <a:pPr lvl="1"/>
+            <a:r>
+              <a:rPr lang="en-US" sz="3050" dirty="0" err="1" smtClean="0"/>
+              <a:t>LanguageModel.json</a:t>
+            </a:r>
+            <a:endParaRPr lang="en-US" sz="3050" dirty="0" smtClean="0"/>
+          </a:p>
+          <a:p>
+            <a:pPr lvl="1"/>
+            <a:r>
+              <a:rPr lang="en-US" sz="3050" dirty="0" smtClean="0"/>
+              <a:t>SampleUtterances.txt</a:t>
+            </a:r>
+          </a:p>
+          <a:p>
+            <a:pPr lvl="2"/>
+            <a:r>
+              <a:rPr lang="en-US" sz="2900" dirty="0" smtClean="0"/>
+              <a:t>You don’t need to add all of these!</a:t>
+            </a:r>
+          </a:p>
+          <a:p>
+            <a:r>
+              <a:rPr lang="en-US" sz="3200" dirty="0" smtClean="0"/>
+              <a:t>Constants Directory</a:t>
+            </a:r>
+            <a:endParaRPr lang="en-US" sz="3200" dirty="0" smtClean="0"/>
+          </a:p>
+          <a:p>
+            <a:pPr lvl="1"/>
+            <a:r>
+              <a:rPr lang="en-US" sz="3050" dirty="0" smtClean="0"/>
+              <a:t>Constants.js</a:t>
+            </a:r>
+            <a:endParaRPr lang="en-US" sz="3050" dirty="0"/>
+          </a:p>
+          <a:p>
+            <a:pPr lvl="1"/>
+            <a:endParaRPr lang="en-US" sz="3050" dirty="0" smtClean="0"/>
+          </a:p>
+        </p:txBody>
+      </p:sp>
+      <p:sp>
+        <p:nvSpPr>
+          <p:cNvPr id="4" name="Title 3"/>
+          <p:cNvSpPr>
+            <a:spLocks noGrp="1"/>
+          </p:cNvSpPr>
+          <p:nvPr>
+            <p:ph type="title"/>
+          </p:nvPr>
+        </p:nvSpPr>
+        <p:spPr/>
+        <p:txBody>
+          <a:bodyPr/>
+          <a:lstStyle/>
+          <a:p>
+            <a:pPr algn="ctr"/>
+            <a:r>
+              <a:rPr lang="en-US" dirty="0"/>
+              <a:t>Blood Test </a:t>
+            </a:r>
+            <a:r>
+              <a:rPr lang="en-US" dirty="0" smtClean="0"/>
+              <a:t>Results – Segmentation (2)</a:t>
+            </a:r>
+            <a:endParaRPr lang="en-US" dirty="0"/>
+          </a:p>
+        </p:txBody>
+      </p:sp>
+    </p:spTree>
+    <p:extLst>
+      <p:ext uri="{BB962C8B-B14F-4D97-AF65-F5344CB8AC3E}">
+        <p14:creationId xmlns:p14="http://schemas.microsoft.com/office/powerpoint/2010/main" val="4009815995"/>
+      </p:ext>
+    </p:extLst>
+  </p:cSld>
+  <p:clrMapOvr>
+    <a:masterClrMapping/>
+  </p:clrMapOvr>
+</p:sld>
+</file>
+
+<file path=ppt/slides/slide35.xml><?xml version="1.0" encoding="utf-8"?>
+<p:sld xmlns:a="http://schemas.openxmlformats.org/drawingml/2006/main" xmlns:r="http://schemas.openxmlformats.org/officeDocument/2006/relationships" xmlns:p="http://schemas.openxmlformats.org/presentationml/2006/main">
+  <p:cSld>
+    <p:spTree>
+      <p:nvGrpSpPr>
+        <p:cNvPr id="1" name=""/>
+        <p:cNvGrpSpPr/>
+        <p:nvPr/>
+      </p:nvGrpSpPr>
+      <p:grpSpPr>
+        <a:xfrm>
+          <a:off x="0" y="0"/>
+          <a:ext cx="0" cy="0"/>
+          <a:chOff x="0" y="0"/>
+          <a:chExt cx="0" cy="0"/>
+        </a:xfrm>
+      </p:grpSpPr>
+      <p:sp>
+        <p:nvSpPr>
+          <p:cNvPr id="2" name="Content Placeholder 1"/>
+          <p:cNvSpPr>
+            <a:spLocks noGrp="1"/>
+          </p:cNvSpPr>
+          <p:nvPr>
+            <p:ph sz="half" idx="1"/>
+          </p:nvPr>
+        </p:nvSpPr>
+        <p:spPr>
+          <a:xfrm>
+            <a:off x="435897" y="1561672"/>
+            <a:ext cx="8272208" cy="4299379"/>
+          </a:xfrm>
+        </p:spPr>
+        <p:txBody>
+          <a:bodyPr>
+            <a:normAutofit/>
+          </a:bodyPr>
+          <a:lstStyle/>
+          <a:p>
+            <a:r>
+              <a:rPr lang="en-US" sz="3200" dirty="0" smtClean="0"/>
+              <a:t>Update the model in the developer portal</a:t>
+            </a:r>
+          </a:p>
+          <a:p>
+            <a:pPr lvl="1"/>
+            <a:r>
+              <a:rPr lang="en-US" sz="3050" dirty="0" smtClean="0"/>
+              <a:t>Add </a:t>
+            </a:r>
+            <a:r>
+              <a:rPr lang="en-US" sz="3050" dirty="0" err="1" smtClean="0"/>
+              <a:t>ReportType</a:t>
+            </a:r>
+            <a:r>
+              <a:rPr lang="en-US" sz="3050" dirty="0" smtClean="0"/>
+              <a:t> intent</a:t>
+            </a:r>
+          </a:p>
+          <a:p>
+            <a:pPr lvl="1"/>
+            <a:r>
+              <a:rPr lang="en-US" sz="3050" dirty="0" smtClean="0"/>
+              <a:t>Add </a:t>
+            </a:r>
+            <a:r>
+              <a:rPr lang="en-US" sz="3050" dirty="0" err="1" smtClean="0"/>
+              <a:t>BloodReportType</a:t>
+            </a:r>
+            <a:r>
+              <a:rPr lang="en-US" sz="3050" dirty="0" smtClean="0"/>
+              <a:t> intent</a:t>
+            </a:r>
+          </a:p>
+          <a:p>
+            <a:r>
+              <a:rPr lang="en-US" sz="3200" dirty="0" smtClean="0"/>
+              <a:t>Add custom slot type values for these intents </a:t>
+            </a:r>
+          </a:p>
+        </p:txBody>
+      </p:sp>
+      <p:sp>
+        <p:nvSpPr>
+          <p:cNvPr id="4" name="Title 3"/>
+          <p:cNvSpPr>
+            <a:spLocks noGrp="1"/>
+          </p:cNvSpPr>
+          <p:nvPr>
+            <p:ph type="title"/>
+          </p:nvPr>
+        </p:nvSpPr>
+        <p:spPr/>
+        <p:txBody>
+          <a:bodyPr/>
+          <a:lstStyle/>
+          <a:p>
+            <a:pPr algn="ctr"/>
+            <a:r>
+              <a:rPr lang="en-US" dirty="0"/>
+              <a:t>Blood Test </a:t>
+            </a:r>
+            <a:r>
+              <a:rPr lang="en-US" dirty="0" smtClean="0"/>
+              <a:t>Results – Segmentation (3)</a:t>
+            </a:r>
+            <a:endParaRPr lang="en-US" dirty="0"/>
+          </a:p>
+        </p:txBody>
+      </p:sp>
+    </p:spTree>
+    <p:extLst>
+      <p:ext uri="{BB962C8B-B14F-4D97-AF65-F5344CB8AC3E}">
+        <p14:creationId xmlns:p14="http://schemas.microsoft.com/office/powerpoint/2010/main" val="2122296154"/>
       </p:ext>
     </p:extLst>
   </p:cSld>
@@ -8237,15 +8550,7 @@
             <a:pPr lvl="1"/>
             <a:r>
               <a:rPr lang="en-US" sz="3200" dirty="0" smtClean="0"/>
-              <a:t>Works with PowerShell or </a:t>
-            </a:r>
-            <a:r>
-              <a:rPr lang="en-US" sz="3200" dirty="0" err="1" smtClean="0"/>
-              <a:t>Git</a:t>
-            </a:r>
-            <a:r>
-              <a:rPr lang="en-US" sz="3200" dirty="0" smtClean="0"/>
-              <a:t> Bash</a:t>
+              <a:t>Works with PowerShell or Git Bash</a:t>
             </a:r>
           </a:p>
           <a:p>
@@ -8522,16 +8827,12 @@
           <a:p>
             <a:pPr lvl="1"/>
             <a:r>
-              <a:rPr lang="en-US" sz="3200" dirty="0" err="1"/>
+              <a:rPr lang="en-US" sz="3200" dirty="0"/>
               <a:t>a</a:t>
             </a:r>
             <a:r>
-              <a:rPr lang="en-US" sz="3200" dirty="0" err="1" smtClean="0"/>
-              <a:t>ws</a:t>
-            </a:r>
-            <a:r>
               <a:rPr lang="en-US" sz="3200" dirty="0" smtClean="0"/>
-              <a:t> configure</a:t>
+              <a:t>ws configure</a:t>
             </a:r>
             <a:endParaRPr lang="en-US" sz="3200" dirty="0"/>
           </a:p>
@@ -8648,16 +8949,12 @@
           <a:p>
             <a:pPr lvl="1"/>
             <a:r>
-              <a:rPr lang="en-US" sz="3050" dirty="0" err="1"/>
+              <a:rPr lang="en-US" sz="3050" dirty="0"/>
               <a:t>n</a:t>
             </a:r>
             <a:r>
-              <a:rPr lang="en-US" sz="3050" dirty="0" err="1" smtClean="0"/>
-              <a:t>pm</a:t>
-            </a:r>
-            <a:r>
               <a:rPr lang="en-US" sz="3050" dirty="0" smtClean="0"/>
-              <a:t> -v</a:t>
+              <a:t>pm -v</a:t>
             </a:r>
           </a:p>
           <a:p>

--- a/build-an-alexa-skill-for.pptx
+++ b/build-an-alexa-skill-for.pptx
@@ -5,7 +5,7 @@
     <p:sldMasterId id="2147483648" r:id="rId1"/>
   </p:sldMasterIdLst>
   <p:notesMasterIdLst>
-    <p:notesMasterId r:id="rId37"/>
+    <p:notesMasterId r:id="rId38"/>
   </p:notesMasterIdLst>
   <p:sldIdLst>
     <p:sldId id="256" r:id="rId2"/>
@@ -43,6 +43,7 @@
     <p:sldId id="290" r:id="rId34"/>
     <p:sldId id="291" r:id="rId35"/>
     <p:sldId id="292" r:id="rId36"/>
+    <p:sldId id="293" r:id="rId37"/>
   </p:sldIdLst>
   <p:sldSz cx="9144000" cy="6858000" type="screen4x3"/>
   <p:notesSz cx="6858000" cy="9144000"/>
@@ -8220,7 +8221,7 @@
         </p:spPr>
         <p:txBody>
           <a:bodyPr>
-            <a:normAutofit/>
+            <a:normAutofit fontScale="92500" lnSpcReduction="10000"/>
           </a:bodyPr>
           <a:lstStyle/>
           <a:p>
@@ -8230,6 +8231,38 @@
             </a:r>
           </a:p>
           <a:p>
+            <a:r>
+              <a:rPr lang="en-US" sz="3200" dirty="0" smtClean="0"/>
+              <a:t>First, add </a:t>
+            </a:r>
+            <a:r>
+              <a:rPr lang="en-US" sz="3200" dirty="0"/>
+              <a:t>custom slot type values for these intents </a:t>
+            </a:r>
+          </a:p>
+          <a:p>
+            <a:pPr lvl="1"/>
+            <a:r>
+              <a:rPr lang="en-US" sz="3050" dirty="0" err="1" smtClean="0"/>
+              <a:t>ReportTypes</a:t>
+            </a:r>
+            <a:endParaRPr lang="en-US" sz="3050" dirty="0" smtClean="0"/>
+          </a:p>
+          <a:p>
+            <a:pPr lvl="1"/>
+            <a:r>
+              <a:rPr lang="en-US" sz="3050" dirty="0" err="1" smtClean="0"/>
+              <a:t>BloodReportTypes</a:t>
+            </a:r>
+            <a:endParaRPr lang="en-US" sz="3050" dirty="0" smtClean="0"/>
+          </a:p>
+          <a:p>
+            <a:r>
+              <a:rPr lang="en-US" sz="3200" dirty="0" smtClean="0"/>
+              <a:t>Next, add new intents that use new slot types</a:t>
+            </a:r>
+          </a:p>
+          <a:p>
             <a:pPr lvl="1"/>
             <a:r>
               <a:rPr lang="en-US" sz="3050" dirty="0" smtClean="0"/>
@@ -8257,12 +8290,6 @@
             <a:r>
               <a:rPr lang="en-US" sz="3050" dirty="0" smtClean="0"/>
               <a:t> intent</a:t>
-            </a:r>
-          </a:p>
-          <a:p>
-            <a:r>
-              <a:rPr lang="en-US" sz="3200" dirty="0" smtClean="0"/>
-              <a:t>Add custom slot type values for these intents </a:t>
             </a:r>
           </a:p>
         </p:txBody>
@@ -8299,6 +8326,135 @@
     <p:extLst>
       <p:ext uri="{BB962C8B-B14F-4D97-AF65-F5344CB8AC3E}">
         <p14:creationId xmlns:p14="http://schemas.microsoft.com/office/powerpoint/2010/main" val="2122296154"/>
+      </p:ext>
+    </p:extLst>
+  </p:cSld>
+  <p:clrMapOvr>
+    <a:masterClrMapping/>
+  </p:clrMapOvr>
+</p:sld>
+</file>
+
+<file path=ppt/slides/slide36.xml><?xml version="1.0" encoding="utf-8"?>
+<p:sld xmlns:a="http://schemas.openxmlformats.org/drawingml/2006/main" xmlns:r="http://schemas.openxmlformats.org/officeDocument/2006/relationships" xmlns:p="http://schemas.openxmlformats.org/presentationml/2006/main">
+  <p:cSld>
+    <p:spTree>
+      <p:nvGrpSpPr>
+        <p:cNvPr id="1" name=""/>
+        <p:cNvGrpSpPr/>
+        <p:nvPr/>
+      </p:nvGrpSpPr>
+      <p:grpSpPr>
+        <a:xfrm>
+          <a:off x="0" y="0"/>
+          <a:ext cx="0" cy="0"/>
+          <a:chOff x="0" y="0"/>
+          <a:chExt cx="0" cy="0"/>
+        </a:xfrm>
+      </p:grpSpPr>
+      <p:sp>
+        <p:nvSpPr>
+          <p:cNvPr id="2" name="Content Placeholder 1"/>
+          <p:cNvSpPr>
+            <a:spLocks noGrp="1"/>
+          </p:cNvSpPr>
+          <p:nvPr>
+            <p:ph sz="half" idx="1"/>
+          </p:nvPr>
+        </p:nvSpPr>
+        <p:spPr>
+          <a:xfrm>
+            <a:off x="435897" y="1561672"/>
+            <a:ext cx="8272208" cy="4299379"/>
+          </a:xfrm>
+        </p:spPr>
+        <p:txBody>
+          <a:bodyPr>
+            <a:normAutofit/>
+          </a:bodyPr>
+          <a:lstStyle/>
+          <a:p>
+            <a:r>
+              <a:rPr lang="en-US" sz="3200" dirty="0" smtClean="0"/>
+              <a:t>Add one utterance to each new intent</a:t>
+            </a:r>
+          </a:p>
+          <a:p>
+            <a:pPr lvl="1"/>
+            <a:r>
+              <a:rPr lang="en-US" sz="3050" dirty="0" err="1" smtClean="0"/>
+              <a:t>ReportType</a:t>
+            </a:r>
+            <a:r>
+              <a:rPr lang="en-US" sz="3050" dirty="0" smtClean="0"/>
+              <a:t> - {Type}</a:t>
+            </a:r>
+          </a:p>
+          <a:p>
+            <a:pPr lvl="1"/>
+            <a:r>
+              <a:rPr lang="en-US" sz="3200" dirty="0" err="1" smtClean="0"/>
+              <a:t>BloodReportType</a:t>
+            </a:r>
+            <a:r>
+              <a:rPr lang="en-US" sz="3200" dirty="0" smtClean="0"/>
+              <a:t> – {</a:t>
+            </a:r>
+            <a:r>
+              <a:rPr lang="en-US" sz="3200" dirty="0" err="1" smtClean="0"/>
+              <a:t>BloodType</a:t>
+            </a:r>
+            <a:r>
+              <a:rPr lang="en-US" sz="3200" dirty="0" smtClean="0"/>
+              <a:t>}</a:t>
+            </a:r>
+          </a:p>
+          <a:p>
+            <a:r>
+              <a:rPr lang="en-US" sz="3200" dirty="0" smtClean="0"/>
+              <a:t>Save Model</a:t>
+            </a:r>
+          </a:p>
+          <a:p>
+            <a:r>
+              <a:rPr lang="en-US" sz="3200" dirty="0" smtClean="0"/>
+              <a:t>Build Model</a:t>
+            </a:r>
+          </a:p>
+        </p:txBody>
+      </p:sp>
+      <p:sp>
+        <p:nvSpPr>
+          <p:cNvPr id="4" name="Title 3"/>
+          <p:cNvSpPr>
+            <a:spLocks noGrp="1"/>
+          </p:cNvSpPr>
+          <p:nvPr>
+            <p:ph type="title"/>
+          </p:nvPr>
+        </p:nvSpPr>
+        <p:spPr/>
+        <p:txBody>
+          <a:bodyPr/>
+          <a:lstStyle/>
+          <a:p>
+            <a:pPr algn="ctr"/>
+            <a:r>
+              <a:rPr lang="en-US" dirty="0"/>
+              <a:t>Blood Test </a:t>
+            </a:r>
+            <a:r>
+              <a:rPr lang="en-US" dirty="0" smtClean="0"/>
+              <a:t>Results – Segmentation (4)</a:t>
+            </a:r>
+            <a:endParaRPr lang="en-US" dirty="0"/>
+          </a:p>
+        </p:txBody>
+      </p:sp>
+    </p:spTree>
+    <p:extLst>
+      <p:ext uri="{BB962C8B-B14F-4D97-AF65-F5344CB8AC3E}">
+        <p14:creationId xmlns:p14="http://schemas.microsoft.com/office/powerpoint/2010/main" val="2880600138"/>
       </p:ext>
     </p:extLst>
   </p:cSld>

--- a/build-an-alexa-skill-for.pptx
+++ b/build-an-alexa-skill-for.pptx
@@ -5,7 +5,7 @@
     <p:sldMasterId id="2147483648" r:id="rId1"/>
   </p:sldMasterIdLst>
   <p:notesMasterIdLst>
-    <p:notesMasterId r:id="rId38"/>
+    <p:notesMasterId r:id="rId40"/>
   </p:notesMasterIdLst>
   <p:sldIdLst>
     <p:sldId id="256" r:id="rId2"/>
@@ -44,6 +44,8 @@
     <p:sldId id="291" r:id="rId35"/>
     <p:sldId id="292" r:id="rId36"/>
     <p:sldId id="293" r:id="rId37"/>
+    <p:sldId id="294" r:id="rId38"/>
+    <p:sldId id="295" r:id="rId39"/>
   </p:sldIdLst>
   <p:sldSz cx="9144000" cy="6858000" type="screen4x3"/>
   <p:notesSz cx="6858000" cy="9144000"/>
@@ -8455,6 +8457,262 @@
     <p:extLst>
       <p:ext uri="{BB962C8B-B14F-4D97-AF65-F5344CB8AC3E}">
         <p14:creationId xmlns:p14="http://schemas.microsoft.com/office/powerpoint/2010/main" val="2880600138"/>
+      </p:ext>
+    </p:extLst>
+  </p:cSld>
+  <p:clrMapOvr>
+    <a:masterClrMapping/>
+  </p:clrMapOvr>
+</p:sld>
+</file>
+
+<file path=ppt/slides/slide37.xml><?xml version="1.0" encoding="utf-8"?>
+<p:sld xmlns:a="http://schemas.openxmlformats.org/drawingml/2006/main" xmlns:r="http://schemas.openxmlformats.org/officeDocument/2006/relationships" xmlns:p="http://schemas.openxmlformats.org/presentationml/2006/main">
+  <p:cSld>
+    <p:spTree>
+      <p:nvGrpSpPr>
+        <p:cNvPr id="1" name=""/>
+        <p:cNvGrpSpPr/>
+        <p:nvPr/>
+      </p:nvGrpSpPr>
+      <p:grpSpPr>
+        <a:xfrm>
+          <a:off x="0" y="0"/>
+          <a:ext cx="0" cy="0"/>
+          <a:chOff x="0" y="0"/>
+          <a:chExt cx="0" cy="0"/>
+        </a:xfrm>
+      </p:grpSpPr>
+      <p:sp>
+        <p:nvSpPr>
+          <p:cNvPr id="2" name="Content Placeholder 1"/>
+          <p:cNvSpPr>
+            <a:spLocks noGrp="1"/>
+          </p:cNvSpPr>
+          <p:nvPr>
+            <p:ph sz="half" idx="1"/>
+          </p:nvPr>
+        </p:nvSpPr>
+        <p:spPr>
+          <a:xfrm>
+            <a:off x="435897" y="1561672"/>
+            <a:ext cx="8272208" cy="4299379"/>
+          </a:xfrm>
+        </p:spPr>
+        <p:txBody>
+          <a:bodyPr>
+            <a:normAutofit/>
+          </a:bodyPr>
+          <a:lstStyle/>
+          <a:p>
+            <a:r>
+              <a:rPr lang="en-US" sz="3200" dirty="0" smtClean="0"/>
+              <a:t>Store patient data in cloud storage</a:t>
+            </a:r>
+          </a:p>
+          <a:p>
+            <a:pPr lvl="1"/>
+            <a:r>
+              <a:rPr lang="en-US" sz="3050" dirty="0"/>
+              <a:t>b</a:t>
+            </a:r>
+            <a:r>
+              <a:rPr lang="en-US" sz="3050" dirty="0" smtClean="0"/>
+              <a:t>lood-</a:t>
+            </a:r>
+            <a:r>
+              <a:rPr lang="en-US" sz="3050" dirty="0" err="1" smtClean="0"/>
+              <a:t>results.json</a:t>
+            </a:r>
+            <a:endParaRPr lang="en-US" sz="3050" dirty="0" smtClean="0"/>
+          </a:p>
+          <a:p>
+            <a:r>
+              <a:rPr lang="en-US" sz="3200" dirty="0" smtClean="0"/>
+              <a:t>AWS S3 - Simple Storage Service</a:t>
+            </a:r>
+          </a:p>
+          <a:p>
+            <a:pPr lvl="1"/>
+            <a:r>
+              <a:rPr lang="en-US" sz="3050" dirty="0" smtClean="0"/>
+              <a:t>Data stored in buckets</a:t>
+            </a:r>
+          </a:p>
+          <a:p>
+            <a:pPr lvl="1"/>
+            <a:endParaRPr lang="en-US" sz="3050" dirty="0" smtClean="0"/>
+          </a:p>
+        </p:txBody>
+      </p:sp>
+      <p:sp>
+        <p:nvSpPr>
+          <p:cNvPr id="4" name="Title 3"/>
+          <p:cNvSpPr>
+            <a:spLocks noGrp="1"/>
+          </p:cNvSpPr>
+          <p:nvPr>
+            <p:ph type="title"/>
+          </p:nvPr>
+        </p:nvSpPr>
+        <p:spPr/>
+        <p:txBody>
+          <a:bodyPr/>
+          <a:lstStyle/>
+          <a:p>
+            <a:pPr algn="ctr"/>
+            <a:r>
+              <a:rPr lang="en-US" dirty="0"/>
+              <a:t>Blood Test </a:t>
+            </a:r>
+            <a:r>
+              <a:rPr lang="en-US" dirty="0" smtClean="0"/>
+              <a:t>Results – Data Decoupling</a:t>
+            </a:r>
+            <a:endParaRPr lang="en-US" dirty="0"/>
+          </a:p>
+        </p:txBody>
+      </p:sp>
+    </p:spTree>
+    <p:extLst>
+      <p:ext uri="{BB962C8B-B14F-4D97-AF65-F5344CB8AC3E}">
+        <p14:creationId xmlns:p14="http://schemas.microsoft.com/office/powerpoint/2010/main" val="3914371020"/>
+      </p:ext>
+    </p:extLst>
+  </p:cSld>
+  <p:clrMapOvr>
+    <a:masterClrMapping/>
+  </p:clrMapOvr>
+</p:sld>
+</file>
+
+<file path=ppt/slides/slide38.xml><?xml version="1.0" encoding="utf-8"?>
+<p:sld xmlns:a="http://schemas.openxmlformats.org/drawingml/2006/main" xmlns:r="http://schemas.openxmlformats.org/officeDocument/2006/relationships" xmlns:p="http://schemas.openxmlformats.org/presentationml/2006/main">
+  <p:cSld>
+    <p:spTree>
+      <p:nvGrpSpPr>
+        <p:cNvPr id="1" name=""/>
+        <p:cNvGrpSpPr/>
+        <p:nvPr/>
+      </p:nvGrpSpPr>
+      <p:grpSpPr>
+        <a:xfrm>
+          <a:off x="0" y="0"/>
+          <a:ext cx="0" cy="0"/>
+          <a:chOff x="0" y="0"/>
+          <a:chExt cx="0" cy="0"/>
+        </a:xfrm>
+      </p:grpSpPr>
+      <p:sp>
+        <p:nvSpPr>
+          <p:cNvPr id="2" name="Content Placeholder 1"/>
+          <p:cNvSpPr>
+            <a:spLocks noGrp="1"/>
+          </p:cNvSpPr>
+          <p:nvPr>
+            <p:ph sz="half" idx="1"/>
+          </p:nvPr>
+        </p:nvSpPr>
+        <p:spPr>
+          <a:xfrm>
+            <a:off x="435897" y="1561672"/>
+            <a:ext cx="8272208" cy="4299379"/>
+          </a:xfrm>
+        </p:spPr>
+        <p:txBody>
+          <a:bodyPr>
+            <a:normAutofit fontScale="92500" lnSpcReduction="20000"/>
+          </a:bodyPr>
+          <a:lstStyle/>
+          <a:p>
+            <a:r>
+              <a:rPr lang="en-US" sz="3200" dirty="0" smtClean="0"/>
+              <a:t>Log into the AWS console</a:t>
+            </a:r>
+          </a:p>
+          <a:p>
+            <a:r>
+              <a:rPr lang="en-US" sz="3200" dirty="0" smtClean="0"/>
+              <a:t>Create an S3 bucket</a:t>
+            </a:r>
+          </a:p>
+          <a:p>
+            <a:pPr lvl="1"/>
+            <a:r>
+              <a:rPr lang="en-US" sz="2900" dirty="0" smtClean="0"/>
+              <a:t>Bucket names must be globally unique!</a:t>
+            </a:r>
+          </a:p>
+          <a:p>
+            <a:pPr lvl="1"/>
+            <a:r>
+              <a:rPr lang="en-US" sz="3050" dirty="0" smtClean="0"/>
+              <a:t>Upload file from data directory “blood-</a:t>
+            </a:r>
+            <a:r>
+              <a:rPr lang="en-US" sz="3050" dirty="0" err="1" smtClean="0"/>
+              <a:t>results.json</a:t>
+            </a:r>
+            <a:r>
+              <a:rPr lang="en-US" sz="3050" dirty="0" smtClean="0"/>
+              <a:t>”</a:t>
+            </a:r>
+          </a:p>
+          <a:p>
+            <a:r>
+              <a:rPr lang="en-US" sz="3200" dirty="0" smtClean="0"/>
+              <a:t>Change IAM role to allow Lambda function to read S3 bucket (or create a new role)</a:t>
+            </a:r>
+          </a:p>
+          <a:p>
+            <a:pPr lvl="1"/>
+            <a:r>
+              <a:rPr lang="en-US" sz="3050" dirty="0" err="1"/>
+              <a:t>l</a:t>
+            </a:r>
+            <a:r>
+              <a:rPr lang="en-US" sz="3050" smtClean="0"/>
+              <a:t>ambda_basic_execution</a:t>
+            </a:r>
+            <a:endParaRPr lang="en-US" sz="3050" dirty="0" smtClean="0"/>
+          </a:p>
+          <a:p>
+            <a:pPr lvl="1"/>
+            <a:r>
+              <a:rPr lang="en-US" sz="3050" dirty="0" smtClean="0"/>
+              <a:t>AmazonS3ReadOnlyAccess</a:t>
+            </a:r>
+          </a:p>
+        </p:txBody>
+      </p:sp>
+      <p:sp>
+        <p:nvSpPr>
+          <p:cNvPr id="4" name="Title 3"/>
+          <p:cNvSpPr>
+            <a:spLocks noGrp="1"/>
+          </p:cNvSpPr>
+          <p:nvPr>
+            <p:ph type="title"/>
+          </p:nvPr>
+        </p:nvSpPr>
+        <p:spPr/>
+        <p:txBody>
+          <a:bodyPr/>
+          <a:lstStyle/>
+          <a:p>
+            <a:pPr algn="ctr"/>
+            <a:r>
+              <a:rPr lang="en-US" dirty="0" smtClean="0"/>
+              <a:t>AWS S3</a:t>
+            </a:r>
+            <a:endParaRPr lang="en-US" dirty="0"/>
+          </a:p>
+        </p:txBody>
+      </p:sp>
+    </p:spTree>
+    <p:extLst>
+      <p:ext uri="{BB962C8B-B14F-4D97-AF65-F5344CB8AC3E}">
+        <p14:creationId xmlns:p14="http://schemas.microsoft.com/office/powerpoint/2010/main" val="3503150604"/>
       </p:ext>
     </p:extLst>
   </p:cSld>

--- a/build-an-alexa-skill-for.pptx
+++ b/build-an-alexa-skill-for.pptx
@@ -5,7 +5,7 @@
     <p:sldMasterId id="2147483648" r:id="rId1"/>
   </p:sldMasterIdLst>
   <p:notesMasterIdLst>
-    <p:notesMasterId r:id="rId40"/>
+    <p:notesMasterId r:id="rId42"/>
   </p:notesMasterIdLst>
   <p:sldIdLst>
     <p:sldId id="256" r:id="rId2"/>
@@ -46,6 +46,8 @@
     <p:sldId id="293" r:id="rId37"/>
     <p:sldId id="294" r:id="rId38"/>
     <p:sldId id="295" r:id="rId39"/>
+    <p:sldId id="296" r:id="rId40"/>
+    <p:sldId id="297" r:id="rId41"/>
   </p:sldIdLst>
   <p:sldSz cx="9144000" cy="6858000" type="screen4x3"/>
   <p:notesSz cx="6858000" cy="9144000"/>
@@ -8509,21 +8511,6 @@
               <a:rPr lang="en-US" sz="3200" dirty="0" smtClean="0"/>
               <a:t>Store patient data in cloud storage</a:t>
             </a:r>
-          </a:p>
-          <a:p>
-            <a:pPr lvl="1"/>
-            <a:r>
-              <a:rPr lang="en-US" sz="3050" dirty="0"/>
-              <a:t>b</a:t>
-            </a:r>
-            <a:r>
-              <a:rPr lang="en-US" sz="3050" dirty="0" smtClean="0"/>
-              <a:t>lood-</a:t>
-            </a:r>
-            <a:r>
-              <a:rPr lang="en-US" sz="3050" dirty="0" err="1" smtClean="0"/>
-              <a:t>results.json</a:t>
-            </a:r>
             <a:endParaRPr lang="en-US" sz="3050" dirty="0" smtClean="0"/>
           </a:p>
           <a:p>
@@ -8671,7 +8658,7 @@
               <a:t>l</a:t>
             </a:r>
             <a:r>
-              <a:rPr lang="en-US" sz="3050" smtClean="0"/>
+              <a:rPr lang="en-US" sz="3050" dirty="0" err="1" smtClean="0"/>
               <a:t>ambda_basic_execution</a:t>
             </a:r>
             <a:endParaRPr lang="en-US" sz="3050" dirty="0" smtClean="0"/>
@@ -8713,6 +8700,136 @@
     <p:extLst>
       <p:ext uri="{BB962C8B-B14F-4D97-AF65-F5344CB8AC3E}">
         <p14:creationId xmlns:p14="http://schemas.microsoft.com/office/powerpoint/2010/main" val="3503150604"/>
+      </p:ext>
+    </p:extLst>
+  </p:cSld>
+  <p:clrMapOvr>
+    <a:masterClrMapping/>
+  </p:clrMapOvr>
+</p:sld>
+</file>
+
+<file path=ppt/slides/slide39.xml><?xml version="1.0" encoding="utf-8"?>
+<p:sld xmlns:a="http://schemas.openxmlformats.org/drawingml/2006/main" xmlns:r="http://schemas.openxmlformats.org/officeDocument/2006/relationships" xmlns:p="http://schemas.openxmlformats.org/presentationml/2006/main">
+  <p:cSld>
+    <p:spTree>
+      <p:nvGrpSpPr>
+        <p:cNvPr id="1" name=""/>
+        <p:cNvGrpSpPr/>
+        <p:nvPr/>
+      </p:nvGrpSpPr>
+      <p:grpSpPr>
+        <a:xfrm>
+          <a:off x="0" y="0"/>
+          <a:ext cx="0" cy="0"/>
+          <a:chOff x="0" y="0"/>
+          <a:chExt cx="0" cy="0"/>
+        </a:xfrm>
+      </p:grpSpPr>
+      <p:sp>
+        <p:nvSpPr>
+          <p:cNvPr id="2" name="Content Placeholder 1"/>
+          <p:cNvSpPr>
+            <a:spLocks noGrp="1"/>
+          </p:cNvSpPr>
+          <p:nvPr>
+            <p:ph sz="half" idx="1"/>
+          </p:nvPr>
+        </p:nvSpPr>
+        <p:spPr>
+          <a:xfrm>
+            <a:off x="435897" y="1561672"/>
+            <a:ext cx="8272208" cy="4299379"/>
+          </a:xfrm>
+        </p:spPr>
+        <p:txBody>
+          <a:bodyPr>
+            <a:normAutofit lnSpcReduction="10000"/>
+          </a:bodyPr>
+          <a:lstStyle/>
+          <a:p>
+            <a:r>
+              <a:rPr lang="en-US" sz="3200" dirty="0" smtClean="0"/>
+              <a:t>“03-blood-test-S3-bucket”</a:t>
+            </a:r>
+          </a:p>
+          <a:p>
+            <a:r>
+              <a:rPr lang="en-US" sz="3200" dirty="0" smtClean="0"/>
+              <a:t>Constants.js</a:t>
+            </a:r>
+          </a:p>
+          <a:p>
+            <a:pPr lvl="1"/>
+            <a:r>
+              <a:rPr lang="en-US" sz="2900" dirty="0" smtClean="0"/>
+              <a:t>Add skill App ID</a:t>
+            </a:r>
+          </a:p>
+          <a:p>
+            <a:r>
+              <a:rPr lang="en-US" sz="3050" dirty="0" smtClean="0"/>
+              <a:t>Specify S3 bucket &amp; file name (key)</a:t>
+            </a:r>
+          </a:p>
+          <a:p>
+            <a:r>
+              <a:rPr lang="en-US" sz="3050" dirty="0" smtClean="0"/>
+              <a:t>New directory Helpers</a:t>
+            </a:r>
+          </a:p>
+          <a:p>
+            <a:pPr lvl="1"/>
+            <a:r>
+              <a:rPr lang="en-US" sz="2900" dirty="0" smtClean="0"/>
+              <a:t>Function to read S3 bucket</a:t>
+            </a:r>
+          </a:p>
+          <a:p>
+            <a:pPr lvl="1"/>
+            <a:r>
+              <a:rPr lang="en-US" sz="2900" dirty="0" smtClean="0"/>
+              <a:t>getBloodWorkS3.js</a:t>
+            </a:r>
+          </a:p>
+          <a:p>
+            <a:pPr lvl="1"/>
+            <a:endParaRPr lang="en-US" sz="3050" dirty="0" smtClean="0"/>
+          </a:p>
+        </p:txBody>
+      </p:sp>
+      <p:sp>
+        <p:nvSpPr>
+          <p:cNvPr id="4" name="Title 3"/>
+          <p:cNvSpPr>
+            <a:spLocks noGrp="1"/>
+          </p:cNvSpPr>
+          <p:nvPr>
+            <p:ph type="title"/>
+          </p:nvPr>
+        </p:nvSpPr>
+        <p:spPr/>
+        <p:txBody>
+          <a:bodyPr/>
+          <a:lstStyle/>
+          <a:p>
+            <a:pPr algn="ctr"/>
+            <a:r>
+              <a:rPr lang="en-US" dirty="0"/>
+              <a:t>Blood Test </a:t>
+            </a:r>
+            <a:r>
+              <a:rPr lang="en-US" dirty="0" smtClean="0"/>
+              <a:t>Results – S3 Bucket (1)</a:t>
+            </a:r>
+            <a:endParaRPr lang="en-US" dirty="0"/>
+          </a:p>
+        </p:txBody>
+      </p:sp>
+    </p:spTree>
+    <p:extLst>
+      <p:ext uri="{BB962C8B-B14F-4D97-AF65-F5344CB8AC3E}">
+        <p14:creationId xmlns:p14="http://schemas.microsoft.com/office/powerpoint/2010/main" val="988849188"/>
       </p:ext>
     </p:extLst>
   </p:cSld>
@@ -8809,6 +8926,133 @@
       </p:par>
     </p:tnLst>
   </p:timing>
+</p:sld>
+</file>
+
+<file path=ppt/slides/slide40.xml><?xml version="1.0" encoding="utf-8"?>
+<p:sld xmlns:a="http://schemas.openxmlformats.org/drawingml/2006/main" xmlns:r="http://schemas.openxmlformats.org/officeDocument/2006/relationships" xmlns:p="http://schemas.openxmlformats.org/presentationml/2006/main">
+  <p:cSld>
+    <p:spTree>
+      <p:nvGrpSpPr>
+        <p:cNvPr id="1" name=""/>
+        <p:cNvGrpSpPr/>
+        <p:nvPr/>
+      </p:nvGrpSpPr>
+      <p:grpSpPr>
+        <a:xfrm>
+          <a:off x="0" y="0"/>
+          <a:ext cx="0" cy="0"/>
+          <a:chOff x="0" y="0"/>
+          <a:chExt cx="0" cy="0"/>
+        </a:xfrm>
+      </p:grpSpPr>
+      <p:sp>
+        <p:nvSpPr>
+          <p:cNvPr id="2" name="Content Placeholder 1"/>
+          <p:cNvSpPr>
+            <a:spLocks noGrp="1"/>
+          </p:cNvSpPr>
+          <p:nvPr>
+            <p:ph sz="half" idx="1"/>
+          </p:nvPr>
+        </p:nvSpPr>
+        <p:spPr>
+          <a:xfrm>
+            <a:off x="435897" y="1561672"/>
+            <a:ext cx="8272208" cy="4299379"/>
+          </a:xfrm>
+        </p:spPr>
+        <p:txBody>
+          <a:bodyPr>
+            <a:normAutofit/>
+          </a:bodyPr>
+          <a:lstStyle/>
+          <a:p>
+            <a:r>
+              <a:rPr lang="en-US" sz="3200" dirty="0" smtClean="0"/>
+              <a:t>Index.js</a:t>
+            </a:r>
+          </a:p>
+          <a:p>
+            <a:pPr lvl="1"/>
+            <a:r>
+              <a:rPr lang="en-US" sz="3050" dirty="0" err="1" smtClean="0"/>
+              <a:t>NewSession</a:t>
+            </a:r>
+            <a:r>
+              <a:rPr lang="en-US" sz="3050" dirty="0" smtClean="0"/>
+              <a:t> Intent</a:t>
+            </a:r>
+          </a:p>
+          <a:p>
+            <a:pPr lvl="2"/>
+            <a:r>
+              <a:rPr lang="en-US" sz="2900" dirty="0" smtClean="0"/>
+              <a:t>Loads patient data from S3 bucket</a:t>
+            </a:r>
+          </a:p>
+          <a:p>
+            <a:pPr lvl="1"/>
+            <a:r>
+              <a:rPr lang="en-US" sz="3050" dirty="0" smtClean="0"/>
+              <a:t>Stores in session attribute</a:t>
+            </a:r>
+          </a:p>
+          <a:p>
+            <a:pPr lvl="1"/>
+            <a:r>
+              <a:rPr lang="en-US" sz="3050" dirty="0" smtClean="0"/>
+              <a:t>Calls </a:t>
+            </a:r>
+            <a:r>
+              <a:rPr lang="en-US" sz="3050" dirty="0" err="1" smtClean="0"/>
+              <a:t>LaunchIntent</a:t>
+            </a:r>
+            <a:endParaRPr lang="en-US" sz="3050" dirty="0" smtClean="0"/>
+          </a:p>
+          <a:p>
+            <a:endParaRPr lang="en-US" sz="3050" dirty="0" smtClean="0"/>
+          </a:p>
+        </p:txBody>
+      </p:sp>
+      <p:sp>
+        <p:nvSpPr>
+          <p:cNvPr id="4" name="Title 3"/>
+          <p:cNvSpPr>
+            <a:spLocks noGrp="1"/>
+          </p:cNvSpPr>
+          <p:nvPr>
+            <p:ph type="title"/>
+          </p:nvPr>
+        </p:nvSpPr>
+        <p:spPr/>
+        <p:txBody>
+          <a:bodyPr/>
+          <a:lstStyle/>
+          <a:p>
+            <a:pPr algn="ctr"/>
+            <a:r>
+              <a:rPr lang="en-US" dirty="0"/>
+              <a:t>Blood Test </a:t>
+            </a:r>
+            <a:r>
+              <a:rPr lang="en-US" dirty="0" smtClean="0"/>
+              <a:t>Results – S3 Bucket (2)</a:t>
+            </a:r>
+            <a:endParaRPr lang="en-US" dirty="0"/>
+          </a:p>
+        </p:txBody>
+      </p:sp>
+    </p:spTree>
+    <p:extLst>
+      <p:ext uri="{BB962C8B-B14F-4D97-AF65-F5344CB8AC3E}">
+        <p14:creationId xmlns:p14="http://schemas.microsoft.com/office/powerpoint/2010/main" val="1582716804"/>
+      </p:ext>
+    </p:extLst>
+  </p:cSld>
+  <p:clrMapOvr>
+    <a:masterClrMapping/>
+  </p:clrMapOvr>
 </p:sld>
 </file>
 
